--- a/Tetris.pptx
+++ b/Tetris.pptx
@@ -9,7 +9,12 @@
     <p:sldId id="257" r:id="rId3"/>
     <p:sldId id="258" r:id="rId4"/>
     <p:sldId id="259" r:id="rId5"/>
-    <p:sldId id="260" r:id="rId6"/>
+    <p:sldId id="263" r:id="rId6"/>
+    <p:sldId id="261" r:id="rId7"/>
+    <p:sldId id="264" r:id="rId8"/>
+    <p:sldId id="262" r:id="rId9"/>
+    <p:sldId id="265" r:id="rId10"/>
+    <p:sldId id="260" r:id="rId11"/>
   </p:sldIdLst>
   <p:sldSz cx="12192000" cy="6858000"/>
   <p:notesSz cx="6858000" cy="9144000"/>
@@ -108,6 +113,11 @@
       </a:defRPr>
     </a:lvl9pPr>
   </p:defaultTextStyle>
+  <p:extLst>
+    <p:ext uri="{EFAFB233-063F-42B5-8137-9DF3F51BA10A}">
+      <p15:sldGuideLst xmlns:p15="http://schemas.microsoft.com/office/powerpoint/2012/main"/>
+    </p:ext>
+  </p:extLst>
 </p:presentation>
 </file>
 
@@ -280,7 +290,7 @@
           <a:p>
             <a:fld id="{8948DE68-E29D-4424-945B-2120297CE0D4}" type="datetimeFigureOut">
               <a:rPr lang="ru-RU" smtClean="0"/>
-              <a:t>27.01.2025</a:t>
+              <a:t>31.01.2025</a:t>
             </a:fld>
             <a:endParaRPr lang="ru-RU"/>
           </a:p>
@@ -610,7 +620,7 @@
           <a:p>
             <a:fld id="{8948DE68-E29D-4424-945B-2120297CE0D4}" type="datetimeFigureOut">
               <a:rPr lang="ru-RU" smtClean="0"/>
-              <a:t>27.01.2025</a:t>
+              <a:t>31.01.2025</a:t>
             </a:fld>
             <a:endParaRPr lang="ru-RU"/>
           </a:p>
@@ -790,7 +800,7 @@
           <a:p>
             <a:fld id="{8948DE68-E29D-4424-945B-2120297CE0D4}" type="datetimeFigureOut">
               <a:rPr lang="ru-RU" smtClean="0"/>
-              <a:t>27.01.2025</a:t>
+              <a:t>31.01.2025</a:t>
             </a:fld>
             <a:endParaRPr lang="ru-RU"/>
           </a:p>
@@ -960,7 +970,7 @@
           <a:p>
             <a:fld id="{8948DE68-E29D-4424-945B-2120297CE0D4}" type="datetimeFigureOut">
               <a:rPr lang="ru-RU" smtClean="0"/>
-              <a:t>27.01.2025</a:t>
+              <a:t>31.01.2025</a:t>
             </a:fld>
             <a:endParaRPr lang="ru-RU"/>
           </a:p>
@@ -1237,7 +1247,7 @@
           <a:p>
             <a:fld id="{8948DE68-E29D-4424-945B-2120297CE0D4}" type="datetimeFigureOut">
               <a:rPr lang="ru-RU" smtClean="0"/>
-              <a:t>27.01.2025</a:t>
+              <a:t>31.01.2025</a:t>
             </a:fld>
             <a:endParaRPr lang="ru-RU"/>
           </a:p>
@@ -1631,7 +1641,7 @@
           <a:p>
             <a:fld id="{8948DE68-E29D-4424-945B-2120297CE0D4}" type="datetimeFigureOut">
               <a:rPr lang="ru-RU" smtClean="0"/>
-              <a:t>27.01.2025</a:t>
+              <a:t>31.01.2025</a:t>
             </a:fld>
             <a:endParaRPr lang="ru-RU"/>
           </a:p>
@@ -2108,7 +2118,7 @@
           <a:p>
             <a:fld id="{8948DE68-E29D-4424-945B-2120297CE0D4}" type="datetimeFigureOut">
               <a:rPr lang="ru-RU" smtClean="0"/>
-              <a:t>27.01.2025</a:t>
+              <a:t>31.01.2025</a:t>
             </a:fld>
             <a:endParaRPr lang="ru-RU"/>
           </a:p>
@@ -2226,7 +2236,7 @@
           <a:p>
             <a:fld id="{8948DE68-E29D-4424-945B-2120297CE0D4}" type="datetimeFigureOut">
               <a:rPr lang="ru-RU" smtClean="0"/>
-              <a:t>27.01.2025</a:t>
+              <a:t>31.01.2025</a:t>
             </a:fld>
             <a:endParaRPr lang="ru-RU"/>
           </a:p>
@@ -2321,7 +2331,7 @@
           <a:p>
             <a:fld id="{8948DE68-E29D-4424-945B-2120297CE0D4}" type="datetimeFigureOut">
               <a:rPr lang="ru-RU" smtClean="0"/>
-              <a:t>27.01.2025</a:t>
+              <a:t>31.01.2025</a:t>
             </a:fld>
             <a:endParaRPr lang="ru-RU"/>
           </a:p>
@@ -2667,7 +2677,7 @@
           <a:p>
             <a:fld id="{8948DE68-E29D-4424-945B-2120297CE0D4}" type="datetimeFigureOut">
               <a:rPr lang="ru-RU" smtClean="0"/>
-              <a:t>27.01.2025</a:t>
+              <a:t>31.01.2025</a:t>
             </a:fld>
             <a:endParaRPr lang="ru-RU"/>
           </a:p>
@@ -3055,7 +3065,7 @@
           <a:p>
             <a:fld id="{8948DE68-E29D-4424-945B-2120297CE0D4}" type="datetimeFigureOut">
               <a:rPr lang="ru-RU" smtClean="0"/>
-              <a:t>27.01.2025</a:t>
+              <a:t>31.01.2025</a:t>
             </a:fld>
             <a:endParaRPr lang="ru-RU"/>
           </a:p>
@@ -3333,7 +3343,7 @@
           <a:p>
             <a:fld id="{8948DE68-E29D-4424-945B-2120297CE0D4}" type="datetimeFigureOut">
               <a:rPr lang="ru-RU" smtClean="0"/>
-              <a:t>27.01.2025</a:t>
+              <a:t>31.01.2025</a:t>
             </a:fld>
             <a:endParaRPr lang="ru-RU"/>
           </a:p>
@@ -3919,6 +3929,138 @@
 </p:sld>
 </file>
 
+<file path=ppt/slides/slide10.xml><?xml version="1.0" encoding="utf-8"?>
+<p:sld xmlns:a="http://schemas.openxmlformats.org/drawingml/2006/main" xmlns:r="http://schemas.openxmlformats.org/officeDocument/2006/relationships" xmlns:p="http://schemas.openxmlformats.org/presentationml/2006/main">
+  <p:cSld>
+    <p:spTree>
+      <p:nvGrpSpPr>
+        <p:cNvPr id="1" name=""/>
+        <p:cNvGrpSpPr/>
+        <p:nvPr/>
+      </p:nvGrpSpPr>
+      <p:grpSpPr>
+        <a:xfrm>
+          <a:off x="0" y="0"/>
+          <a:ext cx="0" cy="0"/>
+          <a:chOff x="0" y="0"/>
+          <a:chExt cx="0" cy="0"/>
+        </a:xfrm>
+      </p:grpSpPr>
+      <p:sp>
+        <p:nvSpPr>
+          <p:cNvPr id="2" name="Заголовок 1">
+            <a:extLst>
+              <a:ext uri="{FF2B5EF4-FFF2-40B4-BE49-F238E27FC236}">
+                <a16:creationId xmlns:a16="http://schemas.microsoft.com/office/drawing/2014/main" id="{67293D87-4330-4DFF-8928-8DE2BBC3D797}"/>
+              </a:ext>
+            </a:extLst>
+          </p:cNvPr>
+          <p:cNvSpPr>
+            <a:spLocks noGrp="1"/>
+          </p:cNvSpPr>
+          <p:nvPr>
+            <p:ph type="title"/>
+          </p:nvPr>
+        </p:nvSpPr>
+        <p:spPr/>
+        <p:txBody>
+          <a:bodyPr/>
+          <a:lstStyle/>
+          <a:p>
+            <a:r>
+              <a:rPr lang="ru-RU" dirty="0"/>
+              <a:t>Заключение</a:t>
+            </a:r>
+          </a:p>
+        </p:txBody>
+      </p:sp>
+      <p:sp>
+        <p:nvSpPr>
+          <p:cNvPr id="3" name="Объект 2">
+            <a:extLst>
+              <a:ext uri="{FF2B5EF4-FFF2-40B4-BE49-F238E27FC236}">
+                <a16:creationId xmlns:a16="http://schemas.microsoft.com/office/drawing/2014/main" id="{B4E72DB2-DDD5-442F-937E-02267A0635BE}"/>
+              </a:ext>
+            </a:extLst>
+          </p:cNvPr>
+          <p:cNvSpPr>
+            <a:spLocks noGrp="1"/>
+          </p:cNvSpPr>
+          <p:nvPr>
+            <p:ph idx="1"/>
+          </p:nvPr>
+        </p:nvSpPr>
+        <p:spPr/>
+        <p:txBody>
+          <a:bodyPr/>
+          <a:lstStyle/>
+          <a:p>
+            <a:r>
+              <a:rPr lang="ru-RU" dirty="0"/>
+              <a:t>Возможности для доработки и развития</a:t>
+            </a:r>
+          </a:p>
+          <a:p>
+            <a:pPr lvl="1"/>
+            <a:r>
+              <a:rPr lang="ru-RU" dirty="0"/>
+              <a:t>Можно добавить окраску фигур</a:t>
+            </a:r>
+          </a:p>
+          <a:p>
+            <a:pPr lvl="1"/>
+            <a:r>
+              <a:rPr lang="ru-RU" dirty="0"/>
+              <a:t>Можно добавить переводы на разные языки</a:t>
+            </a:r>
+          </a:p>
+          <a:p>
+            <a:pPr lvl="1"/>
+            <a:r>
+              <a:rPr lang="ru-RU" dirty="0"/>
+              <a:t>Можно создать онлайн-таблицу результатов</a:t>
+            </a:r>
+          </a:p>
+          <a:p>
+            <a:pPr lvl="1"/>
+            <a:r>
+              <a:rPr lang="ru-RU" dirty="0"/>
+              <a:t>Найти и исправить баги</a:t>
+            </a:r>
+          </a:p>
+          <a:p>
+            <a:r>
+              <a:rPr lang="ru-RU" dirty="0"/>
+              <a:t>Вывод</a:t>
+            </a:r>
+            <a:r>
+              <a:rPr lang="en-US" dirty="0"/>
+              <a:t>:</a:t>
+            </a:r>
+            <a:endParaRPr lang="ru-RU" dirty="0"/>
+          </a:p>
+          <a:p>
+            <a:pPr lvl="1"/>
+            <a:r>
+              <a:rPr lang="ru-RU" dirty="0"/>
+              <a:t>Игра реализована качественно и имеет возможности для улучшения, удоволетворяет своим задачам.</a:t>
+            </a:r>
+          </a:p>
+        </p:txBody>
+      </p:sp>
+    </p:spTree>
+    <p:extLst>
+      <p:ext uri="{BB962C8B-B14F-4D97-AF65-F5344CB8AC3E}">
+        <p14:creationId xmlns:p14="http://schemas.microsoft.com/office/powerpoint/2010/main" val="2352357887"/>
+      </p:ext>
+    </p:extLst>
+  </p:cSld>
+  <p:clrMapOvr>
+    <a:masterClrMapping/>
+  </p:clrMapOvr>
+</p:sld>
+</file>
+
 <file path=ppt/slides/slide2.xml><?xml version="1.0" encoding="utf-8"?>
 <p:sld xmlns:a="http://schemas.openxmlformats.org/drawingml/2006/main" xmlns:r="http://schemas.openxmlformats.org/officeDocument/2006/relationships" xmlns:p="http://schemas.openxmlformats.org/presentationml/2006/main">
   <p:cSld>
@@ -3987,13 +4129,14 @@
           <a:p>
             <a:r>
               <a:rPr lang="ru-RU" dirty="0"/>
-              <a:t>Эта игра сделана </a:t>
-            </a:r>
-            <a:r>
-              <a:rPr lang="ru-RU" dirty="0" err="1"/>
-              <a:t>бла-бла-бла</a:t>
-            </a:r>
-            <a:endParaRPr lang="ru-RU" dirty="0"/>
+              <a:t>Даннй проект собой представляет игру тетрис</a:t>
+            </a:r>
+          </a:p>
+          <a:p>
+            <a:r>
+              <a:rPr lang="ru-RU" dirty="0"/>
+              <a:t>Данный проект сделан для удоволетворения потребности в отдыхе</a:t>
+            </a:r>
           </a:p>
         </p:txBody>
       </p:sp>
@@ -4078,7 +4221,52 @@
           <a:p>
             <a:r>
               <a:rPr lang="ru-RU" dirty="0"/>
-              <a:t>Модули и пр.</a:t>
+              <a:t>Игра состоит из</a:t>
+            </a:r>
+            <a:r>
+              <a:rPr lang="en-US" dirty="0"/>
+              <a:t>:</a:t>
+            </a:r>
+          </a:p>
+          <a:p>
+            <a:pPr lvl="1"/>
+            <a:r>
+              <a:rPr lang="ru-RU" dirty="0"/>
+              <a:t>Главного меню</a:t>
+            </a:r>
+          </a:p>
+          <a:p>
+            <a:pPr lvl="1"/>
+            <a:r>
+              <a:rPr lang="ru-RU" dirty="0"/>
+              <a:t>Процессора поля </a:t>
+            </a:r>
+          </a:p>
+          <a:p>
+            <a:pPr lvl="1"/>
+            <a:r>
+              <a:rPr lang="ru-RU" dirty="0"/>
+              <a:t>Вспомогательного интерфейса</a:t>
+            </a:r>
+          </a:p>
+          <a:p>
+            <a:r>
+              <a:rPr lang="ru-RU" dirty="0"/>
+              <a:t>Особенности</a:t>
+            </a:r>
+          </a:p>
+          <a:p>
+            <a:pPr lvl="1"/>
+            <a:r>
+              <a:rPr lang="ru-RU" dirty="0"/>
+              <a:t>Присутствует музыкальное сопровождение</a:t>
+            </a:r>
+          </a:p>
+          <a:p>
+            <a:pPr lvl="1"/>
+            <a:r>
+              <a:rPr lang="ru-RU" dirty="0"/>
+              <a:t>Ведётся статистика</a:t>
             </a:r>
           </a:p>
         </p:txBody>
@@ -4136,7 +4324,7 @@
           <a:p>
             <a:r>
               <a:rPr lang="ru-RU" dirty="0"/>
-              <a:t>Детальнее</a:t>
+              <a:t>Подробнее про главное меню</a:t>
             </a:r>
           </a:p>
         </p:txBody>
@@ -4164,7 +4352,38 @@
           <a:p>
             <a:r>
               <a:rPr lang="ru-RU" dirty="0"/>
-              <a:t>Подробнее</a:t>
+              <a:t>Главное меню состоит из 3 кнопок</a:t>
+            </a:r>
+            <a:r>
+              <a:rPr lang="en-US" dirty="0"/>
+              <a:t>:</a:t>
+            </a:r>
+          </a:p>
+          <a:p>
+            <a:pPr lvl="1"/>
+            <a:r>
+              <a:rPr lang="ru-RU" dirty="0"/>
+              <a:t>Запуск игры</a:t>
+            </a:r>
+          </a:p>
+          <a:p>
+            <a:pPr lvl="1"/>
+            <a:r>
+              <a:rPr lang="ru-RU" dirty="0"/>
+              <a:t>Таблица рекордов</a:t>
+            </a:r>
+          </a:p>
+          <a:p>
+            <a:pPr lvl="1"/>
+            <a:r>
+              <a:rPr lang="ru-RU" dirty="0"/>
+              <a:t>Выход</a:t>
+            </a:r>
+          </a:p>
+          <a:p>
+            <a:r>
+              <a:rPr lang="ru-RU" dirty="0"/>
+              <a:t>Нажатие кнопок осуществлено с помощью клавиш 1-3 на клавиатуре.</a:t>
             </a:r>
           </a:p>
         </p:txBody>
@@ -4201,10 +4420,104 @@
       </p:grpSpPr>
       <p:sp>
         <p:nvSpPr>
+          <p:cNvPr id="2" name="Title 1">
+            <a:extLst>
+              <a:ext uri="{FF2B5EF4-FFF2-40B4-BE49-F238E27FC236}">
+                <a16:creationId xmlns:a16="http://schemas.microsoft.com/office/drawing/2014/main" id="{DD0857D7-05AE-19DE-3FAB-AA8AF70D9D5B}"/>
+              </a:ext>
+            </a:extLst>
+          </p:cNvPr>
+          <p:cNvSpPr>
+            <a:spLocks noGrp="1"/>
+          </p:cNvSpPr>
+          <p:nvPr>
+            <p:ph type="title"/>
+          </p:nvPr>
+        </p:nvSpPr>
+        <p:spPr/>
+        <p:txBody>
+          <a:bodyPr/>
+          <a:lstStyle/>
+          <a:p>
+            <a:r>
+              <a:rPr lang="ru-RU" dirty="0"/>
+              <a:t>Главное меню</a:t>
+            </a:r>
+            <a:endParaRPr lang="en-US" dirty="0"/>
+          </a:p>
+        </p:txBody>
+      </p:sp>
+      <p:pic>
+        <p:nvPicPr>
+          <p:cNvPr id="6" name="Content Placeholder 5">
+            <a:extLst>
+              <a:ext uri="{FF2B5EF4-FFF2-40B4-BE49-F238E27FC236}">
+                <a16:creationId xmlns:a16="http://schemas.microsoft.com/office/drawing/2014/main" id="{F2EB7855-9DF1-91AE-2F16-9AA2EE782E5B}"/>
+              </a:ext>
+            </a:extLst>
+          </p:cNvPr>
+          <p:cNvPicPr>
+            <a:picLocks noGrp="1" noChangeAspect="1"/>
+          </p:cNvPicPr>
+          <p:nvPr>
+            <p:ph idx="1"/>
+          </p:nvPr>
+        </p:nvPicPr>
+        <p:blipFill>
+          <a:blip r:embed="rId2"/>
+          <a:stretch>
+            <a:fillRect/>
+          </a:stretch>
+        </p:blipFill>
+        <p:spPr>
+          <a:xfrm>
+            <a:off x="6256338" y="1218204"/>
+            <a:ext cx="5211762" cy="4110441"/>
+          </a:xfrm>
+        </p:spPr>
+      </p:pic>
+    </p:spTree>
+    <p:extLst>
+      <p:ext uri="{BB962C8B-B14F-4D97-AF65-F5344CB8AC3E}">
+        <p14:creationId xmlns:p14="http://schemas.microsoft.com/office/powerpoint/2010/main" val="2732461665"/>
+      </p:ext>
+    </p:extLst>
+  </p:cSld>
+  <p:clrMapOvr>
+    <a:masterClrMapping/>
+  </p:clrMapOvr>
+</p:sld>
+</file>
+
+<file path=ppt/slides/slide6.xml><?xml version="1.0" encoding="utf-8"?>
+<p:sld xmlns:a="http://schemas.openxmlformats.org/drawingml/2006/main" xmlns:r="http://schemas.openxmlformats.org/officeDocument/2006/relationships" xmlns:p="http://schemas.openxmlformats.org/presentationml/2006/main">
+  <p:cSld>
+    <p:spTree>
+      <p:nvGrpSpPr>
+        <p:cNvPr id="1" name="">
+          <a:extLst>
+            <a:ext uri="{FF2B5EF4-FFF2-40B4-BE49-F238E27FC236}">
+              <a16:creationId xmlns:a16="http://schemas.microsoft.com/office/drawing/2014/main" id="{CC3B0B4B-C017-036D-1120-4774FBA5C28C}"/>
+            </a:ext>
+          </a:extLst>
+        </p:cNvPr>
+        <p:cNvGrpSpPr/>
+        <p:nvPr/>
+      </p:nvGrpSpPr>
+      <p:grpSpPr>
+        <a:xfrm>
+          <a:off x="0" y="0"/>
+          <a:ext cx="0" cy="0"/>
+          <a:chOff x="0" y="0"/>
+          <a:chExt cx="0" cy="0"/>
+        </a:xfrm>
+      </p:grpSpPr>
+      <p:sp>
+        <p:nvSpPr>
           <p:cNvPr id="2" name="Заголовок 1">
             <a:extLst>
               <a:ext uri="{FF2B5EF4-FFF2-40B4-BE49-F238E27FC236}">
-                <a16:creationId xmlns:a16="http://schemas.microsoft.com/office/drawing/2014/main" id="{67293D87-4330-4DFF-8928-8DE2BBC3D797}"/>
+                <a16:creationId xmlns:a16="http://schemas.microsoft.com/office/drawing/2014/main" id="{E130AE31-FFD8-E186-E8D7-D80B0C1431C9}"/>
               </a:ext>
             </a:extLst>
           </p:cNvPr>
@@ -4222,7 +4535,7 @@
           <a:p>
             <a:r>
               <a:rPr lang="ru-RU" dirty="0"/>
-              <a:t>Заключение</a:t>
+              <a:t>Подробнее про процессор</a:t>
             </a:r>
           </a:p>
         </p:txBody>
@@ -4232,7 +4545,7 @@
           <p:cNvPr id="3" name="Объект 2">
             <a:extLst>
               <a:ext uri="{FF2B5EF4-FFF2-40B4-BE49-F238E27FC236}">
-                <a16:creationId xmlns:a16="http://schemas.microsoft.com/office/drawing/2014/main" id="{B4E72DB2-DDD5-442F-937E-02267A0635BE}"/>
+                <a16:creationId xmlns:a16="http://schemas.microsoft.com/office/drawing/2014/main" id="{3A890587-07C9-DA9D-93D3-48C6124F7ED2}"/>
               </a:ext>
             </a:extLst>
           </p:cNvPr>
@@ -4250,26 +4563,447 @@
           <a:p>
             <a:r>
               <a:rPr lang="ru-RU" dirty="0"/>
-              <a:t>Возможности для доработки и развития</a:t>
+              <a:t>Процессор игры объединяет логику игры, отображение и статистику.</a:t>
             </a:r>
           </a:p>
           <a:p>
             <a:r>
               <a:rPr lang="ru-RU" dirty="0"/>
-              <a:t>Вывод</a:t>
-            </a:r>
-            <a:r>
-              <a:rPr lang="en-US"/>
-              <a:t>:</a:t>
-            </a:r>
-            <a:endParaRPr lang="ru-RU"/>
+              <a:t>Логика отвечает за выбор следующей фигуры, обработку нажатий, поворот фигур, заполнение строк и движение фигур.</a:t>
+            </a:r>
+          </a:p>
+          <a:p>
+            <a:r>
+              <a:rPr lang="ru-RU" dirty="0"/>
+              <a:t>Отображение отвечает за показ фигур на поле, клеток поля, следующей фигуры, очков и уровня сложности.</a:t>
+            </a:r>
+          </a:p>
+          <a:p>
+            <a:r>
+              <a:rPr lang="ru-RU" dirty="0"/>
+              <a:t>При завершении игры любым путём текущие результаты записываются в файл.</a:t>
+            </a:r>
           </a:p>
         </p:txBody>
       </p:sp>
     </p:spTree>
     <p:extLst>
       <p:ext uri="{BB962C8B-B14F-4D97-AF65-F5344CB8AC3E}">
-        <p14:creationId xmlns:p14="http://schemas.microsoft.com/office/powerpoint/2010/main" val="2352357887"/>
+        <p14:creationId xmlns:p14="http://schemas.microsoft.com/office/powerpoint/2010/main" val="276389410"/>
+      </p:ext>
+    </p:extLst>
+  </p:cSld>
+  <p:clrMapOvr>
+    <a:masterClrMapping/>
+  </p:clrMapOvr>
+</p:sld>
+</file>
+
+<file path=ppt/slides/slide7.xml><?xml version="1.0" encoding="utf-8"?>
+<p:sld xmlns:a="http://schemas.openxmlformats.org/drawingml/2006/main" xmlns:r="http://schemas.openxmlformats.org/officeDocument/2006/relationships" xmlns:p="http://schemas.openxmlformats.org/presentationml/2006/main">
+  <p:cSld>
+    <p:spTree>
+      <p:nvGrpSpPr>
+        <p:cNvPr id="1" name="">
+          <a:extLst>
+            <a:ext uri="{FF2B5EF4-FFF2-40B4-BE49-F238E27FC236}">
+              <a16:creationId xmlns:a16="http://schemas.microsoft.com/office/drawing/2014/main" id="{55132960-A488-0C26-B7F6-4BD8675A4F65}"/>
+            </a:ext>
+          </a:extLst>
+        </p:cNvPr>
+        <p:cNvGrpSpPr/>
+        <p:nvPr/>
+      </p:nvGrpSpPr>
+      <p:grpSpPr>
+        <a:xfrm>
+          <a:off x="0" y="0"/>
+          <a:ext cx="0" cy="0"/>
+          <a:chOff x="0" y="0"/>
+          <a:chExt cx="0" cy="0"/>
+        </a:xfrm>
+      </p:grpSpPr>
+      <p:sp>
+        <p:nvSpPr>
+          <p:cNvPr id="2" name="Title 1">
+            <a:extLst>
+              <a:ext uri="{FF2B5EF4-FFF2-40B4-BE49-F238E27FC236}">
+                <a16:creationId xmlns:a16="http://schemas.microsoft.com/office/drawing/2014/main" id="{0735C918-16E4-756B-A909-023E9F8D5199}"/>
+              </a:ext>
+            </a:extLst>
+          </p:cNvPr>
+          <p:cNvSpPr>
+            <a:spLocks noGrp="1"/>
+          </p:cNvSpPr>
+          <p:nvPr>
+            <p:ph type="title"/>
+          </p:nvPr>
+        </p:nvSpPr>
+        <p:spPr/>
+        <p:txBody>
+          <a:bodyPr/>
+          <a:lstStyle/>
+          <a:p>
+            <a:r>
+              <a:rPr lang="ru-RU" dirty="0"/>
+              <a:t>Процесс игры</a:t>
+            </a:r>
+            <a:endParaRPr lang="en-US" dirty="0"/>
+          </a:p>
+        </p:txBody>
+      </p:sp>
+      <p:pic>
+        <p:nvPicPr>
+          <p:cNvPr id="9" name="Content Placeholder 8">
+            <a:extLst>
+              <a:ext uri="{FF2B5EF4-FFF2-40B4-BE49-F238E27FC236}">
+                <a16:creationId xmlns:a16="http://schemas.microsoft.com/office/drawing/2014/main" id="{032658B4-8A28-C7D8-3CEE-7120D53A9E48}"/>
+              </a:ext>
+            </a:extLst>
+          </p:cNvPr>
+          <p:cNvPicPr>
+            <a:picLocks noGrp="1" noChangeAspect="1"/>
+          </p:cNvPicPr>
+          <p:nvPr>
+            <p:ph idx="1"/>
+          </p:nvPr>
+        </p:nvPicPr>
+        <p:blipFill>
+          <a:blip r:embed="rId2"/>
+          <a:stretch>
+            <a:fillRect/>
+          </a:stretch>
+        </p:blipFill>
+        <p:spPr>
+          <a:xfrm>
+            <a:off x="6256338" y="1218204"/>
+            <a:ext cx="5211762" cy="4110441"/>
+          </a:xfrm>
+        </p:spPr>
+      </p:pic>
+    </p:spTree>
+    <p:extLst>
+      <p:ext uri="{BB962C8B-B14F-4D97-AF65-F5344CB8AC3E}">
+        <p14:creationId xmlns:p14="http://schemas.microsoft.com/office/powerpoint/2010/main" val="1614826366"/>
+      </p:ext>
+    </p:extLst>
+  </p:cSld>
+  <p:clrMapOvr>
+    <a:masterClrMapping/>
+  </p:clrMapOvr>
+</p:sld>
+</file>
+
+<file path=ppt/slides/slide8.xml><?xml version="1.0" encoding="utf-8"?>
+<p:sld xmlns:a="http://schemas.openxmlformats.org/drawingml/2006/main" xmlns:r="http://schemas.openxmlformats.org/officeDocument/2006/relationships" xmlns:p="http://schemas.openxmlformats.org/presentationml/2006/main">
+  <p:cSld>
+    <p:spTree>
+      <p:nvGrpSpPr>
+        <p:cNvPr id="1" name="">
+          <a:extLst>
+            <a:ext uri="{FF2B5EF4-FFF2-40B4-BE49-F238E27FC236}">
+              <a16:creationId xmlns:a16="http://schemas.microsoft.com/office/drawing/2014/main" id="{C6C8886F-D0F6-1D38-CDE4-3544CF0D8190}"/>
+            </a:ext>
+          </a:extLst>
+        </p:cNvPr>
+        <p:cNvGrpSpPr/>
+        <p:nvPr/>
+      </p:nvGrpSpPr>
+      <p:grpSpPr>
+        <a:xfrm>
+          <a:off x="0" y="0"/>
+          <a:ext cx="0" cy="0"/>
+          <a:chOff x="0" y="0"/>
+          <a:chExt cx="0" cy="0"/>
+        </a:xfrm>
+      </p:grpSpPr>
+      <p:sp>
+        <p:nvSpPr>
+          <p:cNvPr id="2" name="Заголовок 1">
+            <a:extLst>
+              <a:ext uri="{FF2B5EF4-FFF2-40B4-BE49-F238E27FC236}">
+                <a16:creationId xmlns:a16="http://schemas.microsoft.com/office/drawing/2014/main" id="{97A222BC-27A6-4852-3DF8-1114E8AF7FAE}"/>
+              </a:ext>
+            </a:extLst>
+          </p:cNvPr>
+          <p:cNvSpPr>
+            <a:spLocks noGrp="1"/>
+          </p:cNvSpPr>
+          <p:nvPr>
+            <p:ph type="title"/>
+          </p:nvPr>
+        </p:nvSpPr>
+        <p:spPr/>
+        <p:txBody>
+          <a:bodyPr/>
+          <a:lstStyle/>
+          <a:p>
+            <a:r>
+              <a:rPr lang="ru-RU" dirty="0"/>
+              <a:t>Подробнее про вспомогательный интерфейс</a:t>
+            </a:r>
+          </a:p>
+        </p:txBody>
+      </p:sp>
+      <p:sp>
+        <p:nvSpPr>
+          <p:cNvPr id="3" name="Объект 2">
+            <a:extLst>
+              <a:ext uri="{FF2B5EF4-FFF2-40B4-BE49-F238E27FC236}">
+                <a16:creationId xmlns:a16="http://schemas.microsoft.com/office/drawing/2014/main" id="{931C7176-D6E0-2AA2-4AED-7EE062C11D3C}"/>
+              </a:ext>
+            </a:extLst>
+          </p:cNvPr>
+          <p:cNvSpPr>
+            <a:spLocks noGrp="1"/>
+          </p:cNvSpPr>
+          <p:nvPr>
+            <p:ph idx="1"/>
+          </p:nvPr>
+        </p:nvSpPr>
+        <p:spPr/>
+        <p:txBody>
+          <a:bodyPr/>
+          <a:lstStyle/>
+          <a:p>
+            <a:r>
+              <a:rPr lang="ru-RU" dirty="0"/>
+              <a:t>Во вспомогательный итнерфейс входят</a:t>
+            </a:r>
+            <a:r>
+              <a:rPr lang="en-US" dirty="0"/>
+              <a:t>:</a:t>
+            </a:r>
+            <a:endParaRPr lang="ru-RU" dirty="0"/>
+          </a:p>
+          <a:p>
+            <a:pPr lvl="1"/>
+            <a:r>
+              <a:rPr lang="ru-RU" dirty="0"/>
+              <a:t>Меню паузы</a:t>
+            </a:r>
+          </a:p>
+          <a:p>
+            <a:pPr lvl="1"/>
+            <a:r>
+              <a:rPr lang="ru-RU" dirty="0"/>
+              <a:t>Меню проигрыша</a:t>
+            </a:r>
+          </a:p>
+          <a:p>
+            <a:pPr lvl="1"/>
+            <a:r>
+              <a:rPr lang="ru-RU" dirty="0"/>
+              <a:t>Лучшие результаты</a:t>
+            </a:r>
+          </a:p>
+          <a:p>
+            <a:r>
+              <a:rPr lang="ru-RU" dirty="0"/>
+              <a:t>В меню паузы можно продолжить игру, перезпустить и окончить досрочно игру.</a:t>
+            </a:r>
+          </a:p>
+          <a:p>
+            <a:r>
+              <a:rPr lang="ru-RU" dirty="0"/>
+              <a:t>В меню проигрыша можно перезапустить игру и выйти в главное меню.</a:t>
+            </a:r>
+          </a:p>
+          <a:p>
+            <a:r>
+              <a:rPr lang="ru-RU" dirty="0"/>
+              <a:t>В лучших результатах можно посмотреть на лучшие результаты (вау)</a:t>
+            </a:r>
+          </a:p>
+        </p:txBody>
+      </p:sp>
+    </p:spTree>
+    <p:extLst>
+      <p:ext uri="{BB962C8B-B14F-4D97-AF65-F5344CB8AC3E}">
+        <p14:creationId xmlns:p14="http://schemas.microsoft.com/office/powerpoint/2010/main" val="4039855963"/>
+      </p:ext>
+    </p:extLst>
+  </p:cSld>
+  <p:clrMapOvr>
+    <a:masterClrMapping/>
+  </p:clrMapOvr>
+</p:sld>
+</file>
+
+<file path=ppt/slides/slide9.xml><?xml version="1.0" encoding="utf-8"?>
+<p:sld xmlns:a="http://schemas.openxmlformats.org/drawingml/2006/main" xmlns:r="http://schemas.openxmlformats.org/officeDocument/2006/relationships" xmlns:p="http://schemas.openxmlformats.org/presentationml/2006/main">
+  <p:cSld>
+    <p:spTree>
+      <p:nvGrpSpPr>
+        <p:cNvPr id="1" name="">
+          <a:extLst>
+            <a:ext uri="{FF2B5EF4-FFF2-40B4-BE49-F238E27FC236}">
+              <a16:creationId xmlns:a16="http://schemas.microsoft.com/office/drawing/2014/main" id="{29AF80ED-9719-5C04-7E00-45FCDF6435C9}"/>
+            </a:ext>
+          </a:extLst>
+        </p:cNvPr>
+        <p:cNvGrpSpPr/>
+        <p:nvPr/>
+      </p:nvGrpSpPr>
+      <p:grpSpPr>
+        <a:xfrm>
+          <a:off x="0" y="0"/>
+          <a:ext cx="0" cy="0"/>
+          <a:chOff x="0" y="0"/>
+          <a:chExt cx="0" cy="0"/>
+        </a:xfrm>
+      </p:grpSpPr>
+      <p:sp>
+        <p:nvSpPr>
+          <p:cNvPr id="2" name="Title 1">
+            <a:extLst>
+              <a:ext uri="{FF2B5EF4-FFF2-40B4-BE49-F238E27FC236}">
+                <a16:creationId xmlns:a16="http://schemas.microsoft.com/office/drawing/2014/main" id="{D7F8E50E-857C-AD55-4042-F5E49F0917C5}"/>
+              </a:ext>
+            </a:extLst>
+          </p:cNvPr>
+          <p:cNvSpPr>
+            <a:spLocks noGrp="1"/>
+          </p:cNvSpPr>
+          <p:nvPr>
+            <p:ph type="title"/>
+          </p:nvPr>
+        </p:nvSpPr>
+        <p:spPr>
+          <a:xfrm rot="900000">
+            <a:off x="11873" y="685800"/>
+            <a:ext cx="5211762" cy="2157884"/>
+          </a:xfrm>
+        </p:spPr>
+        <p:txBody>
+          <a:bodyPr/>
+          <a:lstStyle/>
+          <a:p>
+            <a:r>
+              <a:rPr lang="ru-RU" dirty="0"/>
+              <a:t>Вспомогательные</a:t>
+            </a:r>
+            <a:br>
+              <a:rPr lang="ru-RU" dirty="0"/>
+            </a:br>
+            <a:r>
+              <a:rPr lang="ru-RU" dirty="0"/>
+              <a:t>интерфейсы</a:t>
+            </a:r>
+            <a:endParaRPr lang="en-US" dirty="0"/>
+          </a:p>
+        </p:txBody>
+      </p:sp>
+      <p:pic>
+        <p:nvPicPr>
+          <p:cNvPr id="6" name="Content Placeholder 5">
+            <a:extLst>
+              <a:ext uri="{FF2B5EF4-FFF2-40B4-BE49-F238E27FC236}">
+                <a16:creationId xmlns:a16="http://schemas.microsoft.com/office/drawing/2014/main" id="{7B3A5D21-D393-744B-D9A8-038B327B84D3}"/>
+              </a:ext>
+            </a:extLst>
+          </p:cNvPr>
+          <p:cNvPicPr>
+            <a:picLocks noGrp="1" noChangeAspect="1"/>
+          </p:cNvPicPr>
+          <p:nvPr>
+            <p:ph idx="1"/>
+          </p:nvPr>
+        </p:nvPicPr>
+        <p:blipFill>
+          <a:blip r:embed="rId2">
+            <a:extLst>
+              <a:ext uri="{28A0092B-C50C-407E-A947-70E740481C1C}">
+                <a14:useLocalDpi xmlns:a14="http://schemas.microsoft.com/office/drawing/2010/main" val="0"/>
+              </a:ext>
+            </a:extLst>
+          </a:blip>
+          <a:stretch>
+            <a:fillRect/>
+          </a:stretch>
+        </p:blipFill>
+        <p:spPr>
+          <a:xfrm rot="21103231">
+            <a:off x="6711442" y="327807"/>
+            <a:ext cx="5211762" cy="4110441"/>
+          </a:xfrm>
+        </p:spPr>
+      </p:pic>
+      <p:pic>
+        <p:nvPicPr>
+          <p:cNvPr id="8" name="Picture 7">
+            <a:extLst>
+              <a:ext uri="{FF2B5EF4-FFF2-40B4-BE49-F238E27FC236}">
+                <a16:creationId xmlns:a16="http://schemas.microsoft.com/office/drawing/2014/main" id="{36B4B74F-6FDB-690B-E023-1AC818283A63}"/>
+              </a:ext>
+            </a:extLst>
+          </p:cNvPr>
+          <p:cNvPicPr>
+            <a:picLocks noChangeAspect="1"/>
+          </p:cNvPicPr>
+          <p:nvPr/>
+        </p:nvPicPr>
+        <p:blipFill>
+          <a:blip r:embed="rId3">
+            <a:extLst>
+              <a:ext uri="{28A0092B-C50C-407E-A947-70E740481C1C}">
+                <a14:useLocalDpi xmlns:a14="http://schemas.microsoft.com/office/drawing/2010/main" val="0"/>
+              </a:ext>
+            </a:extLst>
+          </a:blip>
+          <a:stretch>
+            <a:fillRect/>
+          </a:stretch>
+        </p:blipFill>
+        <p:spPr>
+          <a:xfrm>
+            <a:off x="133966" y="2560135"/>
+            <a:ext cx="4967575" cy="3917854"/>
+          </a:xfrm>
+          <a:prstGeom prst="rect">
+            <a:avLst/>
+          </a:prstGeom>
+        </p:spPr>
+      </p:pic>
+      <p:pic>
+        <p:nvPicPr>
+          <p:cNvPr id="11" name="Picture 10">
+            <a:extLst>
+              <a:ext uri="{FF2B5EF4-FFF2-40B4-BE49-F238E27FC236}">
+                <a16:creationId xmlns:a16="http://schemas.microsoft.com/office/drawing/2014/main" id="{E28205FF-673B-6D6F-C687-A5E9DB5430AC}"/>
+              </a:ext>
+            </a:extLst>
+          </p:cNvPr>
+          <p:cNvPicPr>
+            <a:picLocks noChangeAspect="1"/>
+          </p:cNvPicPr>
+          <p:nvPr/>
+        </p:nvPicPr>
+        <p:blipFill>
+          <a:blip r:embed="rId4">
+            <a:extLst>
+              <a:ext uri="{28A0092B-C50C-407E-A947-70E740481C1C}">
+                <a14:useLocalDpi xmlns:a14="http://schemas.microsoft.com/office/drawing/2010/main" val="0"/>
+              </a:ext>
+            </a:extLst>
+          </a:blip>
+          <a:stretch>
+            <a:fillRect/>
+          </a:stretch>
+        </p:blipFill>
+        <p:spPr>
+          <a:xfrm rot="193646">
+            <a:off x="6868662" y="2604108"/>
+            <a:ext cx="5211763" cy="4110442"/>
+          </a:xfrm>
+          <a:prstGeom prst="rect">
+            <a:avLst/>
+          </a:prstGeom>
+        </p:spPr>
+      </p:pic>
+    </p:spTree>
+    <p:extLst>
+      <p:ext uri="{BB962C8B-B14F-4D97-AF65-F5344CB8AC3E}">
+        <p14:creationId xmlns:p14="http://schemas.microsoft.com/office/powerpoint/2010/main" val="4188102750"/>
       </p:ext>
     </p:extLst>
   </p:cSld>

--- a/Tetris.pptx
+++ b/Tetris.pptx
@@ -4,6 +4,9 @@
   <p:sldMasterIdLst>
     <p:sldMasterId id="2147483660" r:id="rId1"/>
   </p:sldMasterIdLst>
+  <p:notesMasterIdLst>
+    <p:notesMasterId r:id="rId13"/>
+  </p:notesMasterIdLst>
   <p:sldIdLst>
     <p:sldId id="256" r:id="rId2"/>
     <p:sldId id="257" r:id="rId3"/>
@@ -15,6 +18,7 @@
     <p:sldId id="262" r:id="rId9"/>
     <p:sldId id="265" r:id="rId10"/>
     <p:sldId id="260" r:id="rId11"/>
+    <p:sldId id="266" r:id="rId12"/>
   </p:sldIdLst>
   <p:sldSz cx="12192000" cy="6858000"/>
   <p:notesSz cx="6858000" cy="9144000"/>
@@ -121,6 +125,439 @@
 </p:presentation>
 </file>
 
+<file path=ppt/notesMasters/notesMaster1.xml><?xml version="1.0" encoding="utf-8"?>
+<p:notesMaster xmlns:a="http://schemas.openxmlformats.org/drawingml/2006/main" xmlns:r="http://schemas.openxmlformats.org/officeDocument/2006/relationships" xmlns:p="http://schemas.openxmlformats.org/presentationml/2006/main">
+  <p:cSld>
+    <p:bg>
+      <p:bgRef idx="1001">
+        <a:schemeClr val="bg1"/>
+      </p:bgRef>
+    </p:bg>
+    <p:spTree>
+      <p:nvGrpSpPr>
+        <p:cNvPr id="1" name=""/>
+        <p:cNvGrpSpPr/>
+        <p:nvPr/>
+      </p:nvGrpSpPr>
+      <p:grpSpPr>
+        <a:xfrm>
+          <a:off x="0" y="0"/>
+          <a:ext cx="0" cy="0"/>
+          <a:chOff x="0" y="0"/>
+          <a:chExt cx="0" cy="0"/>
+        </a:xfrm>
+      </p:grpSpPr>
+      <p:sp>
+        <p:nvSpPr>
+          <p:cNvPr id="2" name="Header Placeholder 1"/>
+          <p:cNvSpPr>
+            <a:spLocks noGrp="1"/>
+          </p:cNvSpPr>
+          <p:nvPr>
+            <p:ph type="hdr" sz="quarter"/>
+          </p:nvPr>
+        </p:nvSpPr>
+        <p:spPr>
+          <a:xfrm>
+            <a:off x="0" y="0"/>
+            <a:ext cx="2971800" cy="458788"/>
+          </a:xfrm>
+          <a:prstGeom prst="rect">
+            <a:avLst/>
+          </a:prstGeom>
+        </p:spPr>
+        <p:txBody>
+          <a:bodyPr vert="horz" lIns="91440" tIns="45720" rIns="91440" bIns="45720" rtlCol="0"/>
+          <a:lstStyle>
+            <a:lvl1pPr algn="l">
+              <a:defRPr sz="1200"/>
+            </a:lvl1pPr>
+          </a:lstStyle>
+          <a:p>
+            <a:endParaRPr lang="en-US"/>
+          </a:p>
+        </p:txBody>
+      </p:sp>
+      <p:sp>
+        <p:nvSpPr>
+          <p:cNvPr id="3" name="Date Placeholder 2"/>
+          <p:cNvSpPr>
+            <a:spLocks noGrp="1"/>
+          </p:cNvSpPr>
+          <p:nvPr>
+            <p:ph type="dt" idx="1"/>
+          </p:nvPr>
+        </p:nvSpPr>
+        <p:spPr>
+          <a:xfrm>
+            <a:off x="3884613" y="0"/>
+            <a:ext cx="2971800" cy="458788"/>
+          </a:xfrm>
+          <a:prstGeom prst="rect">
+            <a:avLst/>
+          </a:prstGeom>
+        </p:spPr>
+        <p:txBody>
+          <a:bodyPr vert="horz" lIns="91440" tIns="45720" rIns="91440" bIns="45720" rtlCol="0"/>
+          <a:lstStyle>
+            <a:lvl1pPr algn="r">
+              <a:defRPr sz="1200"/>
+            </a:lvl1pPr>
+          </a:lstStyle>
+          <a:p>
+            <a:fld id="{12568A31-2FC8-4123-A309-04949FA8A0AA}" type="datetimeFigureOut">
+              <a:rPr lang="en-US" smtClean="0"/>
+              <a:t>2/3/2025</a:t>
+            </a:fld>
+            <a:endParaRPr lang="en-US"/>
+          </a:p>
+        </p:txBody>
+      </p:sp>
+      <p:sp>
+        <p:nvSpPr>
+          <p:cNvPr id="4" name="Slide Image Placeholder 3"/>
+          <p:cNvSpPr>
+            <a:spLocks noGrp="1" noRot="1" noChangeAspect="1"/>
+          </p:cNvSpPr>
+          <p:nvPr>
+            <p:ph type="sldImg" idx="2"/>
+          </p:nvPr>
+        </p:nvSpPr>
+        <p:spPr>
+          <a:xfrm>
+            <a:off x="685800" y="1143000"/>
+            <a:ext cx="5486400" cy="3086100"/>
+          </a:xfrm>
+          <a:prstGeom prst="rect">
+            <a:avLst/>
+          </a:prstGeom>
+          <a:noFill/>
+          <a:ln w="12700">
+            <a:solidFill>
+              <a:prstClr val="black"/>
+            </a:solidFill>
+          </a:ln>
+        </p:spPr>
+        <p:txBody>
+          <a:bodyPr vert="horz" lIns="91440" tIns="45720" rIns="91440" bIns="45720" rtlCol="0" anchor="ctr"/>
+          <a:lstStyle/>
+          <a:p>
+            <a:endParaRPr lang="en-US"/>
+          </a:p>
+        </p:txBody>
+      </p:sp>
+      <p:sp>
+        <p:nvSpPr>
+          <p:cNvPr id="5" name="Notes Placeholder 4"/>
+          <p:cNvSpPr>
+            <a:spLocks noGrp="1"/>
+          </p:cNvSpPr>
+          <p:nvPr>
+            <p:ph type="body" sz="quarter" idx="3"/>
+          </p:nvPr>
+        </p:nvSpPr>
+        <p:spPr>
+          <a:xfrm>
+            <a:off x="685800" y="4400550"/>
+            <a:ext cx="5486400" cy="3600450"/>
+          </a:xfrm>
+          <a:prstGeom prst="rect">
+            <a:avLst/>
+          </a:prstGeom>
+        </p:spPr>
+        <p:txBody>
+          <a:bodyPr vert="horz" lIns="91440" tIns="45720" rIns="91440" bIns="45720" rtlCol="0"/>
+          <a:lstStyle/>
+          <a:p>
+            <a:pPr lvl="0"/>
+            <a:r>
+              <a:rPr lang="en-US"/>
+              <a:t>Click to edit Master text styles</a:t>
+            </a:r>
+          </a:p>
+          <a:p>
+            <a:pPr lvl="1"/>
+            <a:r>
+              <a:rPr lang="en-US"/>
+              <a:t>Second level</a:t>
+            </a:r>
+          </a:p>
+          <a:p>
+            <a:pPr lvl="2"/>
+            <a:r>
+              <a:rPr lang="en-US"/>
+              <a:t>Third level</a:t>
+            </a:r>
+          </a:p>
+          <a:p>
+            <a:pPr lvl="3"/>
+            <a:r>
+              <a:rPr lang="en-US"/>
+              <a:t>Fourth level</a:t>
+            </a:r>
+          </a:p>
+          <a:p>
+            <a:pPr lvl="4"/>
+            <a:r>
+              <a:rPr lang="en-US"/>
+              <a:t>Fifth level</a:t>
+            </a:r>
+          </a:p>
+        </p:txBody>
+      </p:sp>
+      <p:sp>
+        <p:nvSpPr>
+          <p:cNvPr id="6" name="Footer Placeholder 5"/>
+          <p:cNvSpPr>
+            <a:spLocks noGrp="1"/>
+          </p:cNvSpPr>
+          <p:nvPr>
+            <p:ph type="ftr" sz="quarter" idx="4"/>
+          </p:nvPr>
+        </p:nvSpPr>
+        <p:spPr>
+          <a:xfrm>
+            <a:off x="0" y="8685213"/>
+            <a:ext cx="2971800" cy="458787"/>
+          </a:xfrm>
+          <a:prstGeom prst="rect">
+            <a:avLst/>
+          </a:prstGeom>
+        </p:spPr>
+        <p:txBody>
+          <a:bodyPr vert="horz" lIns="91440" tIns="45720" rIns="91440" bIns="45720" rtlCol="0" anchor="b"/>
+          <a:lstStyle>
+            <a:lvl1pPr algn="l">
+              <a:defRPr sz="1200"/>
+            </a:lvl1pPr>
+          </a:lstStyle>
+          <a:p>
+            <a:endParaRPr lang="en-US"/>
+          </a:p>
+        </p:txBody>
+      </p:sp>
+      <p:sp>
+        <p:nvSpPr>
+          <p:cNvPr id="7" name="Slide Number Placeholder 6"/>
+          <p:cNvSpPr>
+            <a:spLocks noGrp="1"/>
+          </p:cNvSpPr>
+          <p:nvPr>
+            <p:ph type="sldNum" sz="quarter" idx="5"/>
+          </p:nvPr>
+        </p:nvSpPr>
+        <p:spPr>
+          <a:xfrm>
+            <a:off x="3884613" y="8685213"/>
+            <a:ext cx="2971800" cy="458787"/>
+          </a:xfrm>
+          <a:prstGeom prst="rect">
+            <a:avLst/>
+          </a:prstGeom>
+        </p:spPr>
+        <p:txBody>
+          <a:bodyPr vert="horz" lIns="91440" tIns="45720" rIns="91440" bIns="45720" rtlCol="0" anchor="b"/>
+          <a:lstStyle>
+            <a:lvl1pPr algn="r">
+              <a:defRPr sz="1200"/>
+            </a:lvl1pPr>
+          </a:lstStyle>
+          <a:p>
+            <a:fld id="{BAE479F0-153F-4C1E-A205-FF65334F4F7C}" type="slidenum">
+              <a:rPr lang="en-US" smtClean="0"/>
+              <a:t>‹#›</a:t>
+            </a:fld>
+            <a:endParaRPr lang="en-US"/>
+          </a:p>
+        </p:txBody>
+      </p:sp>
+    </p:spTree>
+    <p:extLst>
+      <p:ext uri="{BB962C8B-B14F-4D97-AF65-F5344CB8AC3E}">
+        <p14:creationId xmlns:p14="http://schemas.microsoft.com/office/powerpoint/2010/main" val="627045501"/>
+      </p:ext>
+    </p:extLst>
+  </p:cSld>
+  <p:clrMap bg1="lt1" tx1="dk1" bg2="lt2" tx2="dk2" accent1="accent1" accent2="accent2" accent3="accent3" accent4="accent4" accent5="accent5" accent6="accent6" hlink="hlink" folHlink="folHlink"/>
+  <p:notesStyle>
+    <a:lvl1pPr marL="0" algn="l" defTabSz="914400" rtl="0" eaLnBrk="1" latinLnBrk="0" hangingPunct="1">
+      <a:defRPr sz="1200" kern="1200">
+        <a:solidFill>
+          <a:schemeClr val="tx1"/>
+        </a:solidFill>
+        <a:latin typeface="+mn-lt"/>
+        <a:ea typeface="+mn-ea"/>
+        <a:cs typeface="+mn-cs"/>
+      </a:defRPr>
+    </a:lvl1pPr>
+    <a:lvl2pPr marL="457200" algn="l" defTabSz="914400" rtl="0" eaLnBrk="1" latinLnBrk="0" hangingPunct="1">
+      <a:defRPr sz="1200" kern="1200">
+        <a:solidFill>
+          <a:schemeClr val="tx1"/>
+        </a:solidFill>
+        <a:latin typeface="+mn-lt"/>
+        <a:ea typeface="+mn-ea"/>
+        <a:cs typeface="+mn-cs"/>
+      </a:defRPr>
+    </a:lvl2pPr>
+    <a:lvl3pPr marL="914400" algn="l" defTabSz="914400" rtl="0" eaLnBrk="1" latinLnBrk="0" hangingPunct="1">
+      <a:defRPr sz="1200" kern="1200">
+        <a:solidFill>
+          <a:schemeClr val="tx1"/>
+        </a:solidFill>
+        <a:latin typeface="+mn-lt"/>
+        <a:ea typeface="+mn-ea"/>
+        <a:cs typeface="+mn-cs"/>
+      </a:defRPr>
+    </a:lvl3pPr>
+    <a:lvl4pPr marL="1371600" algn="l" defTabSz="914400" rtl="0" eaLnBrk="1" latinLnBrk="0" hangingPunct="1">
+      <a:defRPr sz="1200" kern="1200">
+        <a:solidFill>
+          <a:schemeClr val="tx1"/>
+        </a:solidFill>
+        <a:latin typeface="+mn-lt"/>
+        <a:ea typeface="+mn-ea"/>
+        <a:cs typeface="+mn-cs"/>
+      </a:defRPr>
+    </a:lvl4pPr>
+    <a:lvl5pPr marL="1828800" algn="l" defTabSz="914400" rtl="0" eaLnBrk="1" latinLnBrk="0" hangingPunct="1">
+      <a:defRPr sz="1200" kern="1200">
+        <a:solidFill>
+          <a:schemeClr val="tx1"/>
+        </a:solidFill>
+        <a:latin typeface="+mn-lt"/>
+        <a:ea typeface="+mn-ea"/>
+        <a:cs typeface="+mn-cs"/>
+      </a:defRPr>
+    </a:lvl5pPr>
+    <a:lvl6pPr marL="2286000" algn="l" defTabSz="914400" rtl="0" eaLnBrk="1" latinLnBrk="0" hangingPunct="1">
+      <a:defRPr sz="1200" kern="1200">
+        <a:solidFill>
+          <a:schemeClr val="tx1"/>
+        </a:solidFill>
+        <a:latin typeface="+mn-lt"/>
+        <a:ea typeface="+mn-ea"/>
+        <a:cs typeface="+mn-cs"/>
+      </a:defRPr>
+    </a:lvl6pPr>
+    <a:lvl7pPr marL="2743200" algn="l" defTabSz="914400" rtl="0" eaLnBrk="1" latinLnBrk="0" hangingPunct="1">
+      <a:defRPr sz="1200" kern="1200">
+        <a:solidFill>
+          <a:schemeClr val="tx1"/>
+        </a:solidFill>
+        <a:latin typeface="+mn-lt"/>
+        <a:ea typeface="+mn-ea"/>
+        <a:cs typeface="+mn-cs"/>
+      </a:defRPr>
+    </a:lvl7pPr>
+    <a:lvl8pPr marL="3200400" algn="l" defTabSz="914400" rtl="0" eaLnBrk="1" latinLnBrk="0" hangingPunct="1">
+      <a:defRPr sz="1200" kern="1200">
+        <a:solidFill>
+          <a:schemeClr val="tx1"/>
+        </a:solidFill>
+        <a:latin typeface="+mn-lt"/>
+        <a:ea typeface="+mn-ea"/>
+        <a:cs typeface="+mn-cs"/>
+      </a:defRPr>
+    </a:lvl8pPr>
+    <a:lvl9pPr marL="3657600" algn="l" defTabSz="914400" rtl="0" eaLnBrk="1" latinLnBrk="0" hangingPunct="1">
+      <a:defRPr sz="1200" kern="1200">
+        <a:solidFill>
+          <a:schemeClr val="tx1"/>
+        </a:solidFill>
+        <a:latin typeface="+mn-lt"/>
+        <a:ea typeface="+mn-ea"/>
+        <a:cs typeface="+mn-cs"/>
+      </a:defRPr>
+    </a:lvl9pPr>
+  </p:notesStyle>
+</p:notesMaster>
+</file>
+
+<file path=ppt/notesSlides/notesSlide1.xml><?xml version="1.0" encoding="utf-8"?>
+<p:notes xmlns:a="http://schemas.openxmlformats.org/drawingml/2006/main" xmlns:r="http://schemas.openxmlformats.org/officeDocument/2006/relationships" xmlns:p="http://schemas.openxmlformats.org/presentationml/2006/main">
+  <p:cSld>
+    <p:spTree>
+      <p:nvGrpSpPr>
+        <p:cNvPr id="1" name=""/>
+        <p:cNvGrpSpPr/>
+        <p:nvPr/>
+      </p:nvGrpSpPr>
+      <p:grpSpPr>
+        <a:xfrm>
+          <a:off x="0" y="0"/>
+          <a:ext cx="0" cy="0"/>
+          <a:chOff x="0" y="0"/>
+          <a:chExt cx="0" cy="0"/>
+        </a:xfrm>
+      </p:grpSpPr>
+      <p:sp>
+        <p:nvSpPr>
+          <p:cNvPr id="2" name="Slide Image Placeholder 1"/>
+          <p:cNvSpPr>
+            <a:spLocks noGrp="1" noRot="1" noChangeAspect="1"/>
+          </p:cNvSpPr>
+          <p:nvPr>
+            <p:ph type="sldImg"/>
+          </p:nvPr>
+        </p:nvSpPr>
+        <p:spPr/>
+      </p:sp>
+      <p:sp>
+        <p:nvSpPr>
+          <p:cNvPr id="3" name="Notes Placeholder 2"/>
+          <p:cNvSpPr>
+            <a:spLocks noGrp="1"/>
+          </p:cNvSpPr>
+          <p:nvPr>
+            <p:ph type="body" idx="1"/>
+          </p:nvPr>
+        </p:nvSpPr>
+        <p:spPr/>
+        <p:txBody>
+          <a:bodyPr/>
+          <a:lstStyle/>
+          <a:p>
+            <a:endParaRPr lang="en-US"/>
+          </a:p>
+        </p:txBody>
+      </p:sp>
+      <p:sp>
+        <p:nvSpPr>
+          <p:cNvPr id="4" name="Slide Number Placeholder 3"/>
+          <p:cNvSpPr>
+            <a:spLocks noGrp="1"/>
+          </p:cNvSpPr>
+          <p:nvPr>
+            <p:ph type="sldNum" sz="quarter" idx="5"/>
+          </p:nvPr>
+        </p:nvSpPr>
+        <p:spPr/>
+        <p:txBody>
+          <a:bodyPr/>
+          <a:lstStyle/>
+          <a:p>
+            <a:fld id="{BAE479F0-153F-4C1E-A205-FF65334F4F7C}" type="slidenum">
+              <a:rPr lang="en-US" smtClean="0"/>
+              <a:t>11</a:t>
+            </a:fld>
+            <a:endParaRPr lang="en-US"/>
+          </a:p>
+        </p:txBody>
+      </p:sp>
+    </p:spTree>
+    <p:extLst>
+      <p:ext uri="{BB962C8B-B14F-4D97-AF65-F5344CB8AC3E}">
+        <p14:creationId xmlns:p14="http://schemas.microsoft.com/office/powerpoint/2010/main" val="3418907004"/>
+      </p:ext>
+    </p:extLst>
+  </p:cSld>
+  <p:clrMapOvr>
+    <a:masterClrMapping/>
+  </p:clrMapOvr>
+</p:notes>
+</file>
+
 <file path=ppt/slideLayouts/slideLayout1.xml><?xml version="1.0" encoding="utf-8"?>
 <p:sldLayout xmlns:a="http://schemas.openxmlformats.org/drawingml/2006/main" xmlns:r="http://schemas.openxmlformats.org/officeDocument/2006/relationships" xmlns:p="http://schemas.openxmlformats.org/presentationml/2006/main" showMasterSp="0" type="title" preserve="1">
   <p:cSld name="Титульный слайд">
@@ -290,7 +727,7 @@
           <a:p>
             <a:fld id="{8948DE68-E29D-4424-945B-2120297CE0D4}" type="datetimeFigureOut">
               <a:rPr lang="ru-RU" smtClean="0"/>
-              <a:t>31.01.2025</a:t>
+              <a:t>03.02.2025</a:t>
             </a:fld>
             <a:endParaRPr lang="ru-RU"/>
           </a:p>
@@ -503,6 +940,18 @@
   <p:clrMapOvr>
     <a:overrideClrMapping bg1="lt1" tx1="dk1" bg2="lt2" tx2="dk2" accent1="accent1" accent2="accent2" accent3="accent3" accent4="accent4" accent5="accent5" accent6="accent6" hlink="hlink" folHlink="folHlink"/>
   </p:clrMapOvr>
+  <mc:AlternateContent xmlns:mc="http://schemas.openxmlformats.org/markup-compatibility/2006" xmlns:p14="http://schemas.microsoft.com/office/powerpoint/2010/main">
+    <mc:Choice Requires="p14">
+      <p:transition spd="slow" p14:dur="1300">
+        <p14:pan dir="u"/>
+      </p:transition>
+    </mc:Choice>
+    <mc:Fallback xmlns="">
+      <p:transition spd="slow">
+        <p:fade/>
+      </p:transition>
+    </mc:Fallback>
+  </mc:AlternateContent>
 </p:sldLayout>
 </file>
 
@@ -620,7 +1069,7 @@
           <a:p>
             <a:fld id="{8948DE68-E29D-4424-945B-2120297CE0D4}" type="datetimeFigureOut">
               <a:rPr lang="ru-RU" smtClean="0"/>
-              <a:t>31.01.2025</a:t>
+              <a:t>03.02.2025</a:t>
             </a:fld>
             <a:endParaRPr lang="ru-RU"/>
           </a:p>
@@ -678,6 +1127,18 @@
   <p:clrMapOvr>
     <a:masterClrMapping/>
   </p:clrMapOvr>
+  <mc:AlternateContent xmlns:mc="http://schemas.openxmlformats.org/markup-compatibility/2006" xmlns:p14="http://schemas.microsoft.com/office/powerpoint/2010/main">
+    <mc:Choice Requires="p14">
+      <p:transition spd="slow" p14:dur="1300">
+        <p14:pan dir="u"/>
+      </p:transition>
+    </mc:Choice>
+    <mc:Fallback xmlns="">
+      <p:transition spd="slow">
+        <p:fade/>
+      </p:transition>
+    </mc:Fallback>
+  </mc:AlternateContent>
 </p:sldLayout>
 </file>
 
@@ -800,7 +1261,7 @@
           <a:p>
             <a:fld id="{8948DE68-E29D-4424-945B-2120297CE0D4}" type="datetimeFigureOut">
               <a:rPr lang="ru-RU" smtClean="0"/>
-              <a:t>31.01.2025</a:t>
+              <a:t>03.02.2025</a:t>
             </a:fld>
             <a:endParaRPr lang="ru-RU"/>
           </a:p>
@@ -858,6 +1319,18 @@
   <p:clrMapOvr>
     <a:masterClrMapping/>
   </p:clrMapOvr>
+  <mc:AlternateContent xmlns:mc="http://schemas.openxmlformats.org/markup-compatibility/2006" xmlns:p14="http://schemas.microsoft.com/office/powerpoint/2010/main">
+    <mc:Choice Requires="p14">
+      <p:transition spd="slow" p14:dur="1300">
+        <p14:pan dir="u"/>
+      </p:transition>
+    </mc:Choice>
+    <mc:Fallback xmlns="">
+      <p:transition spd="slow">
+        <p:fade/>
+      </p:transition>
+    </mc:Fallback>
+  </mc:AlternateContent>
 </p:sldLayout>
 </file>
 
@@ -970,7 +1443,7 @@
           <a:p>
             <a:fld id="{8948DE68-E29D-4424-945B-2120297CE0D4}" type="datetimeFigureOut">
               <a:rPr lang="ru-RU" smtClean="0"/>
-              <a:t>31.01.2025</a:t>
+              <a:t>03.02.2025</a:t>
             </a:fld>
             <a:endParaRPr lang="ru-RU"/>
           </a:p>
@@ -1028,6 +1501,18 @@
   <p:clrMapOvr>
     <a:masterClrMapping/>
   </p:clrMapOvr>
+  <mc:AlternateContent xmlns:mc="http://schemas.openxmlformats.org/markup-compatibility/2006" xmlns:p14="http://schemas.microsoft.com/office/powerpoint/2010/main">
+    <mc:Choice Requires="p14">
+      <p:transition spd="slow" p14:dur="1300">
+        <p14:pan dir="u"/>
+      </p:transition>
+    </mc:Choice>
+    <mc:Fallback xmlns="">
+      <p:transition spd="slow">
+        <p:fade/>
+      </p:transition>
+    </mc:Fallback>
+  </mc:AlternateContent>
 </p:sldLayout>
 </file>
 
@@ -1247,7 +1732,7 @@
           <a:p>
             <a:fld id="{8948DE68-E29D-4424-945B-2120297CE0D4}" type="datetimeFigureOut">
               <a:rPr lang="ru-RU" smtClean="0"/>
-              <a:t>31.01.2025</a:t>
+              <a:t>03.02.2025</a:t>
             </a:fld>
             <a:endParaRPr lang="ru-RU"/>
           </a:p>
@@ -1387,6 +1872,18 @@
   <p:clrMapOvr>
     <a:overrideClrMapping bg1="dk1" tx1="lt1" bg2="dk2" tx2="lt2" accent1="accent1" accent2="accent2" accent3="accent3" accent4="accent4" accent5="accent5" accent6="accent6" hlink="hlink" folHlink="folHlink"/>
   </p:clrMapOvr>
+  <mc:AlternateContent xmlns:mc="http://schemas.openxmlformats.org/markup-compatibility/2006" xmlns:p14="http://schemas.microsoft.com/office/powerpoint/2010/main">
+    <mc:Choice Requires="p14">
+      <p:transition spd="slow" p14:dur="1300">
+        <p14:pan dir="u"/>
+      </p:transition>
+    </mc:Choice>
+    <mc:Fallback xmlns="">
+      <p:transition spd="slow">
+        <p:fade/>
+      </p:transition>
+    </mc:Fallback>
+  </mc:AlternateContent>
 </p:sldLayout>
 </file>
 
@@ -1641,7 +2138,7 @@
           <a:p>
             <a:fld id="{8948DE68-E29D-4424-945B-2120297CE0D4}" type="datetimeFigureOut">
               <a:rPr lang="ru-RU" smtClean="0"/>
-              <a:t>31.01.2025</a:t>
+              <a:t>03.02.2025</a:t>
             </a:fld>
             <a:endParaRPr lang="ru-RU"/>
           </a:p>
@@ -1699,6 +2196,18 @@
   <p:clrMapOvr>
     <a:masterClrMapping/>
   </p:clrMapOvr>
+  <mc:AlternateContent xmlns:mc="http://schemas.openxmlformats.org/markup-compatibility/2006" xmlns:p14="http://schemas.microsoft.com/office/powerpoint/2010/main">
+    <mc:Choice Requires="p14">
+      <p:transition spd="slow" p14:dur="1300">
+        <p14:pan dir="u"/>
+      </p:transition>
+    </mc:Choice>
+    <mc:Fallback xmlns="">
+      <p:transition spd="slow">
+        <p:fade/>
+      </p:transition>
+    </mc:Fallback>
+  </mc:AlternateContent>
 </p:sldLayout>
 </file>
 
@@ -2118,7 +2627,7 @@
           <a:p>
             <a:fld id="{8948DE68-E29D-4424-945B-2120297CE0D4}" type="datetimeFigureOut">
               <a:rPr lang="ru-RU" smtClean="0"/>
-              <a:t>31.01.2025</a:t>
+              <a:t>03.02.2025</a:t>
             </a:fld>
             <a:endParaRPr lang="ru-RU"/>
           </a:p>
@@ -2176,6 +2685,18 @@
   <p:clrMapOvr>
     <a:masterClrMapping/>
   </p:clrMapOvr>
+  <mc:AlternateContent xmlns:mc="http://schemas.openxmlformats.org/markup-compatibility/2006" xmlns:p14="http://schemas.microsoft.com/office/powerpoint/2010/main">
+    <mc:Choice Requires="p14">
+      <p:transition spd="slow" p14:dur="1300">
+        <p14:pan dir="u"/>
+      </p:transition>
+    </mc:Choice>
+    <mc:Fallback xmlns="">
+      <p:transition spd="slow">
+        <p:fade/>
+      </p:transition>
+    </mc:Fallback>
+  </mc:AlternateContent>
 </p:sldLayout>
 </file>
 
@@ -2236,7 +2757,7 @@
           <a:p>
             <a:fld id="{8948DE68-E29D-4424-945B-2120297CE0D4}" type="datetimeFigureOut">
               <a:rPr lang="ru-RU" smtClean="0"/>
-              <a:t>31.01.2025</a:t>
+              <a:t>03.02.2025</a:t>
             </a:fld>
             <a:endParaRPr lang="ru-RU"/>
           </a:p>
@@ -2294,6 +2815,18 @@
   <p:clrMapOvr>
     <a:masterClrMapping/>
   </p:clrMapOvr>
+  <mc:AlternateContent xmlns:mc="http://schemas.openxmlformats.org/markup-compatibility/2006" xmlns:p14="http://schemas.microsoft.com/office/powerpoint/2010/main">
+    <mc:Choice Requires="p14">
+      <p:transition spd="slow" p14:dur="1300">
+        <p14:pan dir="u"/>
+      </p:transition>
+    </mc:Choice>
+    <mc:Fallback xmlns="">
+      <p:transition spd="slow">
+        <p:fade/>
+      </p:transition>
+    </mc:Fallback>
+  </mc:AlternateContent>
 </p:sldLayout>
 </file>
 
@@ -2331,7 +2864,7 @@
           <a:p>
             <a:fld id="{8948DE68-E29D-4424-945B-2120297CE0D4}" type="datetimeFigureOut">
               <a:rPr lang="ru-RU" smtClean="0"/>
-              <a:t>31.01.2025</a:t>
+              <a:t>03.02.2025</a:t>
             </a:fld>
             <a:endParaRPr lang="ru-RU"/>
           </a:p>
@@ -2389,6 +2922,18 @@
   <p:clrMapOvr>
     <a:masterClrMapping/>
   </p:clrMapOvr>
+  <mc:AlternateContent xmlns:mc="http://schemas.openxmlformats.org/markup-compatibility/2006" xmlns:p14="http://schemas.microsoft.com/office/powerpoint/2010/main">
+    <mc:Choice Requires="p14">
+      <p:transition spd="slow" p14:dur="1300">
+        <p14:pan dir="u"/>
+      </p:transition>
+    </mc:Choice>
+    <mc:Fallback xmlns="">
+      <p:transition spd="slow">
+        <p:fade/>
+      </p:transition>
+    </mc:Fallback>
+  </mc:AlternateContent>
 </p:sldLayout>
 </file>
 
@@ -2677,7 +3222,7 @@
           <a:p>
             <a:fld id="{8948DE68-E29D-4424-945B-2120297CE0D4}" type="datetimeFigureOut">
               <a:rPr lang="ru-RU" smtClean="0"/>
-              <a:t>31.01.2025</a:t>
+              <a:t>03.02.2025</a:t>
             </a:fld>
             <a:endParaRPr lang="ru-RU"/>
           </a:p>
@@ -2799,6 +3344,18 @@
   <p:clrMapOvr>
     <a:masterClrMapping/>
   </p:clrMapOvr>
+  <mc:AlternateContent xmlns:mc="http://schemas.openxmlformats.org/markup-compatibility/2006" xmlns:p14="http://schemas.microsoft.com/office/powerpoint/2010/main">
+    <mc:Choice Requires="p14">
+      <p:transition spd="slow" p14:dur="1300">
+        <p14:pan dir="u"/>
+      </p:transition>
+    </mc:Choice>
+    <mc:Fallback xmlns="">
+      <p:transition spd="slow">
+        <p:fade/>
+      </p:transition>
+    </mc:Fallback>
+  </mc:AlternateContent>
 </p:sldLayout>
 </file>
 
@@ -3065,7 +3622,7 @@
           <a:p>
             <a:fld id="{8948DE68-E29D-4424-945B-2120297CE0D4}" type="datetimeFigureOut">
               <a:rPr lang="ru-RU" smtClean="0"/>
-              <a:t>31.01.2025</a:t>
+              <a:t>03.02.2025</a:t>
             </a:fld>
             <a:endParaRPr lang="ru-RU"/>
           </a:p>
@@ -3187,6 +3744,18 @@
   <p:clrMapOvr>
     <a:masterClrMapping/>
   </p:clrMapOvr>
+  <mc:AlternateContent xmlns:mc="http://schemas.openxmlformats.org/markup-compatibility/2006" xmlns:p14="http://schemas.microsoft.com/office/powerpoint/2010/main">
+    <mc:Choice Requires="p14">
+      <p:transition spd="slow" p14:dur="1300">
+        <p14:pan dir="u"/>
+      </p:transition>
+    </mc:Choice>
+    <mc:Fallback xmlns="">
+      <p:transition spd="slow">
+        <p:fade/>
+      </p:transition>
+    </mc:Fallback>
+  </mc:AlternateContent>
 </p:sldLayout>
 </file>
 
@@ -3343,7 +3912,7 @@
           <a:p>
             <a:fld id="{8948DE68-E29D-4424-945B-2120297CE0D4}" type="datetimeFigureOut">
               <a:rPr lang="ru-RU" smtClean="0"/>
-              <a:t>31.01.2025</a:t>
+              <a:t>03.02.2025</a:t>
             </a:fld>
             <a:endParaRPr lang="ru-RU"/>
           </a:p>
@@ -3482,6 +4051,18 @@
     <p:sldLayoutId id="2147483670" r:id="rId10"/>
     <p:sldLayoutId id="2147483671" r:id="rId11"/>
   </p:sldLayoutIdLst>
+  <mc:AlternateContent xmlns:mc="http://schemas.openxmlformats.org/markup-compatibility/2006" xmlns:p14="http://schemas.microsoft.com/office/powerpoint/2010/main">
+    <mc:Choice Requires="p14">
+      <p:transition spd="slow" p14:dur="1300">
+        <p14:pan dir="u"/>
+      </p:transition>
+    </mc:Choice>
+    <mc:Fallback xmlns="">
+      <p:transition spd="slow">
+        <p:fade/>
+      </p:transition>
+    </mc:Fallback>
+  </mc:AlternateContent>
   <p:txStyles>
     <p:titleStyle>
       <a:lvl1pPr algn="l" defTabSz="914400" rtl="0" eaLnBrk="1" latinLnBrk="0" hangingPunct="1">
@@ -3911,7 +4492,7 @@
           <a:p>
             <a:r>
               <a:rPr lang="ru-RU" dirty="0"/>
-              <a:t>Сделал Коннов Елисей</a:t>
+              <a:t>Разработчик Коннов Елисей</a:t>
             </a:r>
           </a:p>
         </p:txBody>
@@ -3926,6 +4507,18 @@
   <p:clrMapOvr>
     <a:masterClrMapping/>
   </p:clrMapOvr>
+  <mc:AlternateContent xmlns:mc="http://schemas.openxmlformats.org/markup-compatibility/2006" xmlns:p14="http://schemas.microsoft.com/office/powerpoint/2010/main">
+    <mc:Choice Requires="p14">
+      <p:transition spd="slow" p14:dur="1300">
+        <p14:pan dir="u"/>
+      </p:transition>
+    </mc:Choice>
+    <mc:Fallback xmlns="">
+      <p:transition spd="slow">
+        <p:fade/>
+      </p:transition>
+    </mc:Fallback>
+  </mc:AlternateContent>
 </p:sld>
 </file>
 
@@ -3992,58 +4585,60 @@
         </p:nvSpPr>
         <p:spPr/>
         <p:txBody>
-          <a:bodyPr/>
+          <a:bodyPr>
+            <a:normAutofit/>
+          </a:bodyPr>
           <a:lstStyle/>
           <a:p>
             <a:r>
-              <a:rPr lang="ru-RU" dirty="0"/>
+              <a:rPr lang="ru-RU" sz="2400" dirty="0"/>
               <a:t>Возможности для доработки и развития</a:t>
             </a:r>
           </a:p>
           <a:p>
             <a:pPr lvl="1"/>
             <a:r>
-              <a:rPr lang="ru-RU" dirty="0"/>
+              <a:rPr lang="ru-RU" sz="2400" dirty="0"/>
               <a:t>Можно добавить окраску фигур</a:t>
             </a:r>
           </a:p>
           <a:p>
             <a:pPr lvl="1"/>
             <a:r>
-              <a:rPr lang="ru-RU" dirty="0"/>
+              <a:rPr lang="ru-RU" sz="2400" dirty="0"/>
               <a:t>Можно добавить переводы на разные языки</a:t>
             </a:r>
           </a:p>
           <a:p>
             <a:pPr lvl="1"/>
             <a:r>
-              <a:rPr lang="ru-RU" dirty="0"/>
+              <a:rPr lang="ru-RU" sz="2400" dirty="0"/>
               <a:t>Можно создать онлайн-таблицу результатов</a:t>
             </a:r>
           </a:p>
           <a:p>
             <a:pPr lvl="1"/>
             <a:r>
-              <a:rPr lang="ru-RU" dirty="0"/>
+              <a:rPr lang="ru-RU" sz="2400" dirty="0"/>
               <a:t>Найти и исправить баги</a:t>
             </a:r>
           </a:p>
           <a:p>
             <a:r>
-              <a:rPr lang="ru-RU" dirty="0"/>
+              <a:rPr lang="ru-RU" sz="2400" dirty="0"/>
               <a:t>Вывод</a:t>
             </a:r>
             <a:r>
-              <a:rPr lang="en-US" dirty="0"/>
+              <a:rPr lang="en-US" sz="2400" dirty="0"/>
               <a:t>:</a:t>
             </a:r>
-            <a:endParaRPr lang="ru-RU" dirty="0"/>
+            <a:endParaRPr lang="ru-RU" sz="2400" dirty="0"/>
           </a:p>
           <a:p>
             <a:pPr lvl="1"/>
             <a:r>
-              <a:rPr lang="ru-RU" dirty="0"/>
-              <a:t>Игра реализована качественно и имеет возможности для улучшения, удоволетворяет своим задачам.</a:t>
+              <a:rPr lang="ru-RU" sz="2400" dirty="0"/>
+              <a:t>Игра реализована качественно и имеет возможности для улучшения, удоволетворяет поставленным задачам.</a:t>
             </a:r>
           </a:p>
         </p:txBody>
@@ -4058,6 +4653,154 @@
   <p:clrMapOvr>
     <a:masterClrMapping/>
   </p:clrMapOvr>
+  <mc:AlternateContent xmlns:mc="http://schemas.openxmlformats.org/markup-compatibility/2006" xmlns:p14="http://schemas.microsoft.com/office/powerpoint/2010/main">
+    <mc:Choice Requires="p14">
+      <p:transition spd="slow" p14:dur="1300">
+        <p14:pan dir="u"/>
+      </p:transition>
+    </mc:Choice>
+    <mc:Fallback xmlns="">
+      <p:transition spd="slow">
+        <p:fade/>
+      </p:transition>
+    </mc:Fallback>
+  </mc:AlternateContent>
+</p:sld>
+</file>
+
+<file path=ppt/slides/slide11.xml><?xml version="1.0" encoding="utf-8"?>
+<p:sld xmlns:a="http://schemas.openxmlformats.org/drawingml/2006/main" xmlns:r="http://schemas.openxmlformats.org/officeDocument/2006/relationships" xmlns:p="http://schemas.openxmlformats.org/presentationml/2006/main">
+  <p:cSld>
+    <p:spTree>
+      <p:nvGrpSpPr>
+        <p:cNvPr id="1" name=""/>
+        <p:cNvGrpSpPr/>
+        <p:nvPr/>
+      </p:nvGrpSpPr>
+      <p:grpSpPr>
+        <a:xfrm>
+          <a:off x="0" y="0"/>
+          <a:ext cx="0" cy="0"/>
+          <a:chOff x="0" y="0"/>
+          <a:chExt cx="0" cy="0"/>
+        </a:xfrm>
+      </p:grpSpPr>
+      <p:sp>
+        <p:nvSpPr>
+          <p:cNvPr id="2" name="Title 1">
+            <a:extLst>
+              <a:ext uri="{FF2B5EF4-FFF2-40B4-BE49-F238E27FC236}">
+                <a16:creationId xmlns:a16="http://schemas.microsoft.com/office/drawing/2014/main" id="{473B1EFE-97CE-8791-2CEA-50159FA60EF0}"/>
+              </a:ext>
+            </a:extLst>
+          </p:cNvPr>
+          <p:cNvSpPr>
+            <a:spLocks noGrp="1"/>
+          </p:cNvSpPr>
+          <p:nvPr>
+            <p:ph type="title"/>
+          </p:nvPr>
+        </p:nvSpPr>
+        <p:spPr/>
+        <p:txBody>
+          <a:bodyPr/>
+          <a:lstStyle/>
+          <a:p>
+            <a:r>
+              <a:rPr lang="ru-RU" dirty="0"/>
+              <a:t>Спасибо за внимание</a:t>
+            </a:r>
+            <a:endParaRPr lang="en-US" dirty="0"/>
+          </a:p>
+        </p:txBody>
+      </p:sp>
+      <p:sp>
+        <p:nvSpPr>
+          <p:cNvPr id="3" name="Text Placeholder 2">
+            <a:extLst>
+              <a:ext uri="{FF2B5EF4-FFF2-40B4-BE49-F238E27FC236}">
+                <a16:creationId xmlns:a16="http://schemas.microsoft.com/office/drawing/2014/main" id="{DD114517-A3E5-B089-08D8-BC4EA0AB6AAE}"/>
+              </a:ext>
+            </a:extLst>
+          </p:cNvPr>
+          <p:cNvSpPr>
+            <a:spLocks noGrp="1"/>
+          </p:cNvSpPr>
+          <p:nvPr>
+            <p:ph type="body" idx="1"/>
+          </p:nvPr>
+        </p:nvSpPr>
+        <p:spPr/>
+        <p:txBody>
+          <a:bodyPr/>
+          <a:lstStyle/>
+          <a:p>
+            <a:r>
+              <a:rPr lang="ru-RU" dirty="0"/>
+              <a:t>Разработчик Елисей Коннов </a:t>
+            </a:r>
+            <a:endParaRPr lang="en-US" dirty="0"/>
+          </a:p>
+        </p:txBody>
+      </p:sp>
+      <p:pic>
+        <p:nvPicPr>
+          <p:cNvPr id="15" name="Picture 14">
+            <a:extLst>
+              <a:ext uri="{FF2B5EF4-FFF2-40B4-BE49-F238E27FC236}">
+                <a16:creationId xmlns:a16="http://schemas.microsoft.com/office/drawing/2014/main" id="{E0C245BF-CF91-EB86-16A4-C26D70130532}"/>
+              </a:ext>
+            </a:extLst>
+          </p:cNvPr>
+          <p:cNvPicPr>
+            <a:picLocks noChangeAspect="1"/>
+          </p:cNvPicPr>
+          <p:nvPr/>
+        </p:nvPicPr>
+        <p:blipFill>
+          <a:blip r:embed="rId3">
+            <a:extLst>
+              <a:ext uri="{28A0092B-C50C-407E-A947-70E740481C1C}">
+                <a14:useLocalDpi xmlns:a14="http://schemas.microsoft.com/office/drawing/2010/main" val="0"/>
+              </a:ext>
+            </a:extLst>
+          </a:blip>
+          <a:stretch>
+            <a:fillRect/>
+          </a:stretch>
+        </p:blipFill>
+        <p:spPr>
+          <a:xfrm>
+            <a:off x="1" y="4728888"/>
+            <a:ext cx="1814003" cy="2129112"/>
+          </a:xfrm>
+          <a:prstGeom prst="rect">
+            <a:avLst/>
+          </a:prstGeom>
+        </p:spPr>
+      </p:pic>
+    </p:spTree>
+    <p:extLst>
+      <p:ext uri="{BB962C8B-B14F-4D97-AF65-F5344CB8AC3E}">
+        <p14:creationId xmlns:p14="http://schemas.microsoft.com/office/powerpoint/2010/main" val="3737920801"/>
+      </p:ext>
+    </p:extLst>
+  </p:cSld>
+  <p:clrMapOvr>
+    <a:masterClrMapping/>
+  </p:clrMapOvr>
+  <mc:AlternateContent xmlns:mc="http://schemas.openxmlformats.org/markup-compatibility/2006" xmlns:p14="http://schemas.microsoft.com/office/powerpoint/2010/main">
+    <mc:Choice Requires="p14">
+      <p:transition spd="slow" p14:dur="1300">
+        <p14:pan dir="u"/>
+      </p:transition>
+    </mc:Choice>
+    <mc:Fallback xmlns="">
+      <p:transition spd="slow">
+        <p:fade/>
+      </p:transition>
+    </mc:Fallback>
+  </mc:AlternateContent>
 </p:sld>
 </file>
 
@@ -4124,18 +4867,20 @@
         </p:nvSpPr>
         <p:spPr/>
         <p:txBody>
-          <a:bodyPr/>
+          <a:bodyPr>
+            <a:normAutofit/>
+          </a:bodyPr>
           <a:lstStyle/>
           <a:p>
             <a:r>
-              <a:rPr lang="ru-RU" dirty="0"/>
-              <a:t>Даннй проект собой представляет игру тетрис</a:t>
-            </a:r>
-          </a:p>
-          <a:p>
-            <a:r>
-              <a:rPr lang="ru-RU" dirty="0"/>
-              <a:t>Данный проект сделан для удоволетворения потребности в отдыхе</a:t>
+              <a:rPr lang="ru-RU" sz="2400" dirty="0"/>
+              <a:t>Данный проект собой представляет игру тетрис</a:t>
+            </a:r>
+          </a:p>
+          <a:p>
+            <a:r>
+              <a:rPr lang="ru-RU" sz="2400" dirty="0"/>
+              <a:t>Данный проект сделан для удоволетворения потребностей в отдыхе и развлечении.</a:t>
             </a:r>
           </a:p>
         </p:txBody>
@@ -4150,6 +4895,18 @@
   <p:clrMapOvr>
     <a:masterClrMapping/>
   </p:clrMapOvr>
+  <mc:AlternateContent xmlns:mc="http://schemas.openxmlformats.org/markup-compatibility/2006" xmlns:p14="http://schemas.microsoft.com/office/powerpoint/2010/main">
+    <mc:Choice Requires="p14">
+      <p:transition spd="slow" p14:dur="1300">
+        <p14:pan dir="u"/>
+      </p:transition>
+    </mc:Choice>
+    <mc:Fallback xmlns="">
+      <p:transition spd="slow">
+        <p:fade/>
+      </p:transition>
+    </mc:Fallback>
+  </mc:AlternateContent>
 </p:sld>
 </file>
 
@@ -4216,58 +4973,64 @@
         </p:nvSpPr>
         <p:spPr/>
         <p:txBody>
-          <a:bodyPr/>
+          <a:bodyPr>
+            <a:normAutofit/>
+          </a:bodyPr>
           <a:lstStyle/>
           <a:p>
             <a:r>
-              <a:rPr lang="ru-RU" dirty="0"/>
+              <a:rPr lang="ru-RU" sz="2400" dirty="0"/>
               <a:t>Игра состоит из</a:t>
             </a:r>
             <a:r>
-              <a:rPr lang="en-US" dirty="0"/>
+              <a:rPr lang="en-US" sz="2400" dirty="0"/>
               <a:t>:</a:t>
             </a:r>
           </a:p>
           <a:p>
             <a:pPr lvl="1"/>
             <a:r>
-              <a:rPr lang="ru-RU" dirty="0"/>
+              <a:rPr lang="ru-RU" sz="2400" dirty="0"/>
               <a:t>Главного меню</a:t>
             </a:r>
           </a:p>
           <a:p>
             <a:pPr lvl="1"/>
             <a:r>
-              <a:rPr lang="ru-RU" dirty="0"/>
-              <a:t>Процессора поля </a:t>
+              <a:rPr lang="ru-RU" sz="2400" dirty="0"/>
+              <a:t>Процессора игры</a:t>
             </a:r>
           </a:p>
           <a:p>
             <a:pPr lvl="1"/>
             <a:r>
-              <a:rPr lang="ru-RU" dirty="0"/>
+              <a:rPr lang="ru-RU" sz="2400" dirty="0"/>
               <a:t>Вспомогательного интерфейса</a:t>
             </a:r>
           </a:p>
           <a:p>
             <a:r>
-              <a:rPr lang="ru-RU" dirty="0"/>
+              <a:rPr lang="ru-RU" sz="2400" dirty="0"/>
               <a:t>Особенности</a:t>
             </a:r>
           </a:p>
           <a:p>
             <a:pPr lvl="1"/>
             <a:r>
-              <a:rPr lang="ru-RU" dirty="0"/>
+              <a:rPr lang="ru-RU" sz="2400" dirty="0"/>
               <a:t>Присутствует музыкальное сопровождение</a:t>
             </a:r>
           </a:p>
           <a:p>
             <a:pPr lvl="1"/>
             <a:r>
-              <a:rPr lang="ru-RU" dirty="0"/>
+              <a:rPr lang="ru-RU" sz="2400" dirty="0"/>
               <a:t>Ведётся статистика</a:t>
             </a:r>
+          </a:p>
+          <a:p>
+            <a:pPr lvl="1"/>
+            <a:endParaRPr lang="ru-RU" sz="2400" dirty="0"/>
           </a:p>
         </p:txBody>
       </p:sp>
@@ -4281,6 +5044,18 @@
   <p:clrMapOvr>
     <a:masterClrMapping/>
   </p:clrMapOvr>
+  <mc:AlternateContent xmlns:mc="http://schemas.openxmlformats.org/markup-compatibility/2006" xmlns:p14="http://schemas.microsoft.com/office/powerpoint/2010/main">
+    <mc:Choice Requires="p14">
+      <p:transition spd="slow" p14:dur="1300">
+        <p14:pan dir="u"/>
+      </p:transition>
+    </mc:Choice>
+    <mc:Fallback xmlns="">
+      <p:transition spd="slow">
+        <p:fade/>
+      </p:transition>
+    </mc:Fallback>
+  </mc:AlternateContent>
 </p:sld>
 </file>
 
@@ -4347,42 +5122,44 @@
         </p:nvSpPr>
         <p:spPr/>
         <p:txBody>
-          <a:bodyPr/>
+          <a:bodyPr>
+            <a:normAutofit/>
+          </a:bodyPr>
           <a:lstStyle/>
           <a:p>
             <a:r>
-              <a:rPr lang="ru-RU" dirty="0"/>
+              <a:rPr lang="ru-RU" sz="2400" dirty="0"/>
               <a:t>Главное меню состоит из 3 кнопок</a:t>
             </a:r>
             <a:r>
-              <a:rPr lang="en-US" dirty="0"/>
+              <a:rPr lang="en-US" sz="2400" dirty="0"/>
               <a:t>:</a:t>
             </a:r>
           </a:p>
           <a:p>
             <a:pPr lvl="1"/>
             <a:r>
-              <a:rPr lang="ru-RU" dirty="0"/>
+              <a:rPr lang="ru-RU" sz="2400" dirty="0"/>
               <a:t>Запуск игры</a:t>
             </a:r>
           </a:p>
           <a:p>
             <a:pPr lvl="1"/>
             <a:r>
-              <a:rPr lang="ru-RU" dirty="0"/>
+              <a:rPr lang="ru-RU" sz="2400" dirty="0"/>
               <a:t>Таблица рекордов</a:t>
             </a:r>
           </a:p>
           <a:p>
             <a:pPr lvl="1"/>
             <a:r>
-              <a:rPr lang="ru-RU" dirty="0"/>
+              <a:rPr lang="ru-RU" sz="2400" dirty="0"/>
               <a:t>Выход</a:t>
             </a:r>
           </a:p>
           <a:p>
             <a:r>
-              <a:rPr lang="ru-RU" dirty="0"/>
+              <a:rPr lang="ru-RU" sz="2400" dirty="0"/>
               <a:t>Нажатие кнопок осуществлено с помощью клавиш 1-3 на клавиатуре.</a:t>
             </a:r>
           </a:p>
@@ -4398,6 +5175,18 @@
   <p:clrMapOvr>
     <a:masterClrMapping/>
   </p:clrMapOvr>
+  <mc:AlternateContent xmlns:mc="http://schemas.openxmlformats.org/markup-compatibility/2006" xmlns:p14="http://schemas.microsoft.com/office/powerpoint/2010/main">
+    <mc:Choice Requires="p14">
+      <p:transition spd="slow" p14:dur="1300">
+        <p14:pan dir="u"/>
+      </p:transition>
+    </mc:Choice>
+    <mc:Fallback xmlns="">
+      <p:transition spd="slow">
+        <p:fade/>
+      </p:transition>
+    </mc:Fallback>
+  </mc:AlternateContent>
 </p:sld>
 </file>
 
@@ -4486,6 +5275,18 @@
   <p:clrMapOvr>
     <a:masterClrMapping/>
   </p:clrMapOvr>
+  <mc:AlternateContent xmlns:mc="http://schemas.openxmlformats.org/markup-compatibility/2006" xmlns:p14="http://schemas.microsoft.com/office/powerpoint/2010/main">
+    <mc:Choice Requires="p14">
+      <p:transition spd="slow" p14:dur="1300">
+        <p14:pan dir="u"/>
+      </p:transition>
+    </mc:Choice>
+    <mc:Fallback xmlns="">
+      <p:transition spd="slow">
+        <p:fade/>
+      </p:transition>
+    </mc:Fallback>
+  </mc:AlternateContent>
 </p:sld>
 </file>
 
@@ -4558,30 +5359,32 @@
         </p:nvSpPr>
         <p:spPr/>
         <p:txBody>
-          <a:bodyPr/>
+          <a:bodyPr>
+            <a:noAutofit/>
+          </a:bodyPr>
           <a:lstStyle/>
           <a:p>
             <a:r>
-              <a:rPr lang="ru-RU" dirty="0"/>
-              <a:t>Процессор игры объединяет логику игры, отображение и статистику.</a:t>
-            </a:r>
-          </a:p>
-          <a:p>
-            <a:r>
-              <a:rPr lang="ru-RU" dirty="0"/>
-              <a:t>Логика отвечает за выбор следующей фигуры, обработку нажатий, поворот фигур, заполнение строк и движение фигур.</a:t>
-            </a:r>
-          </a:p>
-          <a:p>
-            <a:r>
-              <a:rPr lang="ru-RU" dirty="0"/>
+              <a:rPr lang="ru-RU" sz="2400" dirty="0"/>
+              <a:t>Процессор игры объединяет логику игры, отображение и статистику и отвечают за обработку нажатий.</a:t>
+            </a:r>
+          </a:p>
+          <a:p>
+            <a:r>
+              <a:rPr lang="ru-RU" sz="2400" dirty="0"/>
+              <a:t>Логика игры отвечает за выбор следующей фигуры, поворот фигур и их движение, а также заполнение строк.</a:t>
+            </a:r>
+          </a:p>
+          <a:p>
+            <a:r>
+              <a:rPr lang="ru-RU" sz="2400" dirty="0"/>
               <a:t>Отображение отвечает за показ фигур на поле, клеток поля, следующей фигуры, очков и уровня сложности.</a:t>
             </a:r>
           </a:p>
           <a:p>
             <a:r>
-              <a:rPr lang="ru-RU" dirty="0"/>
-              <a:t>При завершении игры любым путём текущие результаты записываются в файл.</a:t>
+              <a:rPr lang="ru-RU" sz="2400" dirty="0"/>
+              <a:t>При завершении игры текущие результаты записываются в файл.</a:t>
             </a:r>
           </a:p>
         </p:txBody>
@@ -4596,6 +5399,18 @@
   <p:clrMapOvr>
     <a:masterClrMapping/>
   </p:clrMapOvr>
+  <mc:AlternateContent xmlns:mc="http://schemas.openxmlformats.org/markup-compatibility/2006" xmlns:p14="http://schemas.microsoft.com/office/powerpoint/2010/main">
+    <mc:Choice Requires="p14">
+      <p:transition spd="slow" p14:dur="1300">
+        <p14:pan dir="u"/>
+      </p:transition>
+    </mc:Choice>
+    <mc:Fallback xmlns="">
+      <p:transition spd="slow">
+        <p:fade/>
+      </p:transition>
+    </mc:Fallback>
+  </mc:AlternateContent>
 </p:sld>
 </file>
 
@@ -4690,6 +5505,18 @@
   <p:clrMapOvr>
     <a:masterClrMapping/>
   </p:clrMapOvr>
+  <mc:AlternateContent xmlns:mc="http://schemas.openxmlformats.org/markup-compatibility/2006" xmlns:p14="http://schemas.microsoft.com/office/powerpoint/2010/main">
+    <mc:Choice Requires="p14">
+      <p:transition spd="slow" p14:dur="1300">
+        <p14:pan dir="u"/>
+      </p:transition>
+    </mc:Choice>
+    <mc:Fallback xmlns="">
+      <p:transition spd="slow">
+        <p:fade/>
+      </p:transition>
+    </mc:Fallback>
+  </mc:AlternateContent>
 </p:sld>
 </file>
 
@@ -4762,55 +5589,57 @@
         </p:nvSpPr>
         <p:spPr/>
         <p:txBody>
-          <a:bodyPr/>
+          <a:bodyPr>
+            <a:noAutofit/>
+          </a:bodyPr>
           <a:lstStyle/>
           <a:p>
             <a:r>
-              <a:rPr lang="ru-RU" dirty="0"/>
-              <a:t>Во вспомогательный итнерфейс входят</a:t>
-            </a:r>
-            <a:r>
-              <a:rPr lang="en-US" dirty="0"/>
+              <a:rPr lang="ru-RU" sz="2400" dirty="0"/>
+              <a:t>Во вспомогательный интерфейс входят</a:t>
+            </a:r>
+            <a:r>
+              <a:rPr lang="en-US" sz="2400" dirty="0"/>
               <a:t>:</a:t>
             </a:r>
-            <a:endParaRPr lang="ru-RU" dirty="0"/>
+            <a:endParaRPr lang="ru-RU" sz="2400" dirty="0"/>
           </a:p>
           <a:p>
             <a:pPr lvl="1"/>
             <a:r>
-              <a:rPr lang="ru-RU" dirty="0"/>
+              <a:rPr lang="ru-RU" sz="2400" dirty="0"/>
               <a:t>Меню паузы</a:t>
             </a:r>
           </a:p>
           <a:p>
             <a:pPr lvl="1"/>
             <a:r>
-              <a:rPr lang="ru-RU" dirty="0"/>
+              <a:rPr lang="ru-RU" sz="2400" dirty="0"/>
               <a:t>Меню проигрыша</a:t>
             </a:r>
           </a:p>
           <a:p>
             <a:pPr lvl="1"/>
             <a:r>
-              <a:rPr lang="ru-RU" dirty="0"/>
+              <a:rPr lang="ru-RU" sz="2400" dirty="0"/>
               <a:t>Лучшие результаты</a:t>
             </a:r>
           </a:p>
           <a:p>
             <a:r>
-              <a:rPr lang="ru-RU" dirty="0"/>
+              <a:rPr lang="ru-RU" sz="2400" dirty="0"/>
               <a:t>В меню паузы можно продолжить игру, перезпустить и окончить досрочно игру.</a:t>
             </a:r>
           </a:p>
           <a:p>
             <a:r>
-              <a:rPr lang="ru-RU" dirty="0"/>
+              <a:rPr lang="ru-RU" sz="2400" dirty="0"/>
               <a:t>В меню проигрыша можно перезапустить игру и выйти в главное меню.</a:t>
             </a:r>
           </a:p>
           <a:p>
             <a:r>
-              <a:rPr lang="ru-RU" dirty="0"/>
+              <a:rPr lang="ru-RU" sz="2400" dirty="0"/>
               <a:t>В лучших результатах можно посмотреть на лучшие результаты (вау)</a:t>
             </a:r>
           </a:p>
@@ -4826,6 +5655,18 @@
   <p:clrMapOvr>
     <a:masterClrMapping/>
   </p:clrMapOvr>
+  <mc:AlternateContent xmlns:mc="http://schemas.openxmlformats.org/markup-compatibility/2006" xmlns:p14="http://schemas.microsoft.com/office/powerpoint/2010/main">
+    <mc:Choice Requires="p14">
+      <p:transition spd="slow" p14:dur="1300">
+        <p14:pan dir="u"/>
+      </p:transition>
+    </mc:Choice>
+    <mc:Fallback xmlns="">
+      <p:transition spd="slow">
+        <p:fade/>
+      </p:transition>
+    </mc:Fallback>
+  </mc:AlternateContent>
 </p:sld>
 </file>
 
@@ -5010,6 +5851,18 @@
   <p:clrMapOvr>
     <a:masterClrMapping/>
   </p:clrMapOvr>
+  <mc:AlternateContent xmlns:mc="http://schemas.openxmlformats.org/markup-compatibility/2006" xmlns:p14="http://schemas.microsoft.com/office/powerpoint/2010/main">
+    <mc:Choice Requires="p14">
+      <p:transition spd="slow" p14:dur="1300">
+        <p14:pan dir="u"/>
+      </p:transition>
+    </mc:Choice>
+    <mc:Fallback xmlns="">
+      <p:transition spd="slow">
+        <p:fade/>
+      </p:transition>
+    </mc:Fallback>
+  </mc:AlternateContent>
 </p:sld>
 </file>
 
@@ -5269,4 +6122,299 @@
     </a:ext>
   </a:extLst>
 </a:theme>
+</file>
+
+<file path=ppt/theme/theme2.xml><?xml version="1.0" encoding="utf-8"?>
+<a:theme xmlns:a="http://schemas.openxmlformats.org/drawingml/2006/main" name="Office Theme">
+  <a:themeElements>
+    <a:clrScheme name="Office">
+      <a:dk1>
+        <a:sysClr val="windowText" lastClr="000000"/>
+      </a:dk1>
+      <a:lt1>
+        <a:sysClr val="window" lastClr="FFFFFF"/>
+      </a:lt1>
+      <a:dk2>
+        <a:srgbClr val="44546A"/>
+      </a:dk2>
+      <a:lt2>
+        <a:srgbClr val="E7E6E6"/>
+      </a:lt2>
+      <a:accent1>
+        <a:srgbClr val="4472C4"/>
+      </a:accent1>
+      <a:accent2>
+        <a:srgbClr val="ED7D31"/>
+      </a:accent2>
+      <a:accent3>
+        <a:srgbClr val="A5A5A5"/>
+      </a:accent3>
+      <a:accent4>
+        <a:srgbClr val="FFC000"/>
+      </a:accent4>
+      <a:accent5>
+        <a:srgbClr val="5B9BD5"/>
+      </a:accent5>
+      <a:accent6>
+        <a:srgbClr val="70AD47"/>
+      </a:accent6>
+      <a:hlink>
+        <a:srgbClr val="0563C1"/>
+      </a:hlink>
+      <a:folHlink>
+        <a:srgbClr val="954F72"/>
+      </a:folHlink>
+    </a:clrScheme>
+    <a:fontScheme name="Office">
+      <a:majorFont>
+        <a:latin typeface="Calibri Light" panose="020F0302020204030204"/>
+        <a:ea typeface=""/>
+        <a:cs typeface=""/>
+        <a:font script="Jpan" typeface="游ゴシック Light"/>
+        <a:font script="Hang" typeface="맑은 고딕"/>
+        <a:font script="Hans" typeface="等线 Light"/>
+        <a:font script="Hant" typeface="新細明體"/>
+        <a:font script="Arab" typeface="Times New Roman"/>
+        <a:font script="Hebr" typeface="Times New Roman"/>
+        <a:font script="Thai" typeface="Angsana New"/>
+        <a:font script="Ethi" typeface="Nyala"/>
+        <a:font script="Beng" typeface="Vrinda"/>
+        <a:font script="Gujr" typeface="Shruti"/>
+        <a:font script="Khmr" typeface="MoolBoran"/>
+        <a:font script="Knda" typeface="Tunga"/>
+        <a:font script="Guru" typeface="Raavi"/>
+        <a:font script="Cans" typeface="Euphemia"/>
+        <a:font script="Cher" typeface="Plantagenet Cherokee"/>
+        <a:font script="Yiii" typeface="Microsoft Yi Baiti"/>
+        <a:font script="Tibt" typeface="Microsoft Himalaya"/>
+        <a:font script="Thaa" typeface="MV Boli"/>
+        <a:font script="Deva" typeface="Mangal"/>
+        <a:font script="Telu" typeface="Gautami"/>
+        <a:font script="Taml" typeface="Latha"/>
+        <a:font script="Syrc" typeface="Estrangelo Edessa"/>
+        <a:font script="Orya" typeface="Kalinga"/>
+        <a:font script="Mlym" typeface="Kartika"/>
+        <a:font script="Laoo" typeface="DokChampa"/>
+        <a:font script="Sinh" typeface="Iskoola Pota"/>
+        <a:font script="Mong" typeface="Mongolian Baiti"/>
+        <a:font script="Viet" typeface="Times New Roman"/>
+        <a:font script="Uigh" typeface="Microsoft Uighur"/>
+        <a:font script="Geor" typeface="Sylfaen"/>
+        <a:font script="Armn" typeface="Arial"/>
+        <a:font script="Bugi" typeface="Leelawadee UI"/>
+        <a:font script="Bopo" typeface="Microsoft JhengHei"/>
+        <a:font script="Java" typeface="Javanese Text"/>
+        <a:font script="Lisu" typeface="Segoe UI"/>
+        <a:font script="Mymr" typeface="Myanmar Text"/>
+        <a:font script="Nkoo" typeface="Ebrima"/>
+        <a:font script="Olck" typeface="Nirmala UI"/>
+        <a:font script="Osma" typeface="Ebrima"/>
+        <a:font script="Phag" typeface="Phagspa"/>
+        <a:font script="Syrn" typeface="Estrangelo Edessa"/>
+        <a:font script="Syrj" typeface="Estrangelo Edessa"/>
+        <a:font script="Syre" typeface="Estrangelo Edessa"/>
+        <a:font script="Sora" typeface="Nirmala UI"/>
+        <a:font script="Tale" typeface="Microsoft Tai Le"/>
+        <a:font script="Talu" typeface="Microsoft New Tai Lue"/>
+        <a:font script="Tfng" typeface="Ebrima"/>
+      </a:majorFont>
+      <a:minorFont>
+        <a:latin typeface="Calibri" panose="020F0502020204030204"/>
+        <a:ea typeface=""/>
+        <a:cs typeface=""/>
+        <a:font script="Jpan" typeface="游ゴシック"/>
+        <a:font script="Hang" typeface="맑은 고딕"/>
+        <a:font script="Hans" typeface="等线"/>
+        <a:font script="Hant" typeface="新細明體"/>
+        <a:font script="Arab" typeface="Arial"/>
+        <a:font script="Hebr" typeface="Arial"/>
+        <a:font script="Thai" typeface="Cordia New"/>
+        <a:font script="Ethi" typeface="Nyala"/>
+        <a:font script="Beng" typeface="Vrinda"/>
+        <a:font script="Gujr" typeface="Shruti"/>
+        <a:font script="Khmr" typeface="DaunPenh"/>
+        <a:font script="Knda" typeface="Tunga"/>
+        <a:font script="Guru" typeface="Raavi"/>
+        <a:font script="Cans" typeface="Euphemia"/>
+        <a:font script="Cher" typeface="Plantagenet Cherokee"/>
+        <a:font script="Yiii" typeface="Microsoft Yi Baiti"/>
+        <a:font script="Tibt" typeface="Microsoft Himalaya"/>
+        <a:font script="Thaa" typeface="MV Boli"/>
+        <a:font script="Deva" typeface="Mangal"/>
+        <a:font script="Telu" typeface="Gautami"/>
+        <a:font script="Taml" typeface="Latha"/>
+        <a:font script="Syrc" typeface="Estrangelo Edessa"/>
+        <a:font script="Orya" typeface="Kalinga"/>
+        <a:font script="Mlym" typeface="Kartika"/>
+        <a:font script="Laoo" typeface="DokChampa"/>
+        <a:font script="Sinh" typeface="Iskoola Pota"/>
+        <a:font script="Mong" typeface="Mongolian Baiti"/>
+        <a:font script="Viet" typeface="Arial"/>
+        <a:font script="Uigh" typeface="Microsoft Uighur"/>
+        <a:font script="Geor" typeface="Sylfaen"/>
+        <a:font script="Armn" typeface="Arial"/>
+        <a:font script="Bugi" typeface="Leelawadee UI"/>
+        <a:font script="Bopo" typeface="Microsoft JhengHei"/>
+        <a:font script="Java" typeface="Javanese Text"/>
+        <a:font script="Lisu" typeface="Segoe UI"/>
+        <a:font script="Mymr" typeface="Myanmar Text"/>
+        <a:font script="Nkoo" typeface="Ebrima"/>
+        <a:font script="Olck" typeface="Nirmala UI"/>
+        <a:font script="Osma" typeface="Ebrima"/>
+        <a:font script="Phag" typeface="Phagspa"/>
+        <a:font script="Syrn" typeface="Estrangelo Edessa"/>
+        <a:font script="Syrj" typeface="Estrangelo Edessa"/>
+        <a:font script="Syre" typeface="Estrangelo Edessa"/>
+        <a:font script="Sora" typeface="Nirmala UI"/>
+        <a:font script="Tale" typeface="Microsoft Tai Le"/>
+        <a:font script="Talu" typeface="Microsoft New Tai Lue"/>
+        <a:font script="Tfng" typeface="Ebrima"/>
+      </a:minorFont>
+    </a:fontScheme>
+    <a:fmtScheme name="Office">
+      <a:fillStyleLst>
+        <a:solidFill>
+          <a:schemeClr val="phClr"/>
+        </a:solidFill>
+        <a:gradFill rotWithShape="1">
+          <a:gsLst>
+            <a:gs pos="0">
+              <a:schemeClr val="phClr">
+                <a:lumMod val="110000"/>
+                <a:satMod val="105000"/>
+                <a:tint val="67000"/>
+              </a:schemeClr>
+            </a:gs>
+            <a:gs pos="50000">
+              <a:schemeClr val="phClr">
+                <a:lumMod val="105000"/>
+                <a:satMod val="103000"/>
+                <a:tint val="73000"/>
+              </a:schemeClr>
+            </a:gs>
+            <a:gs pos="100000">
+              <a:schemeClr val="phClr">
+                <a:lumMod val="105000"/>
+                <a:satMod val="109000"/>
+                <a:tint val="81000"/>
+              </a:schemeClr>
+            </a:gs>
+          </a:gsLst>
+          <a:lin ang="5400000" scaled="0"/>
+        </a:gradFill>
+        <a:gradFill rotWithShape="1">
+          <a:gsLst>
+            <a:gs pos="0">
+              <a:schemeClr val="phClr">
+                <a:satMod val="103000"/>
+                <a:lumMod val="102000"/>
+                <a:tint val="94000"/>
+              </a:schemeClr>
+            </a:gs>
+            <a:gs pos="50000">
+              <a:schemeClr val="phClr">
+                <a:satMod val="110000"/>
+                <a:lumMod val="100000"/>
+                <a:shade val="100000"/>
+              </a:schemeClr>
+            </a:gs>
+            <a:gs pos="100000">
+              <a:schemeClr val="phClr">
+                <a:lumMod val="99000"/>
+                <a:satMod val="120000"/>
+                <a:shade val="78000"/>
+              </a:schemeClr>
+            </a:gs>
+          </a:gsLst>
+          <a:lin ang="5400000" scaled="0"/>
+        </a:gradFill>
+      </a:fillStyleLst>
+      <a:lnStyleLst>
+        <a:ln w="6350" cap="flat" cmpd="sng" algn="ctr">
+          <a:solidFill>
+            <a:schemeClr val="phClr"/>
+          </a:solidFill>
+          <a:prstDash val="solid"/>
+          <a:miter lim="800000"/>
+        </a:ln>
+        <a:ln w="12700" cap="flat" cmpd="sng" algn="ctr">
+          <a:solidFill>
+            <a:schemeClr val="phClr"/>
+          </a:solidFill>
+          <a:prstDash val="solid"/>
+          <a:miter lim="800000"/>
+        </a:ln>
+        <a:ln w="19050" cap="flat" cmpd="sng" algn="ctr">
+          <a:solidFill>
+            <a:schemeClr val="phClr"/>
+          </a:solidFill>
+          <a:prstDash val="solid"/>
+          <a:miter lim="800000"/>
+        </a:ln>
+      </a:lnStyleLst>
+      <a:effectStyleLst>
+        <a:effectStyle>
+          <a:effectLst/>
+        </a:effectStyle>
+        <a:effectStyle>
+          <a:effectLst/>
+        </a:effectStyle>
+        <a:effectStyle>
+          <a:effectLst>
+            <a:outerShdw blurRad="57150" dist="19050" dir="5400000" algn="ctr" rotWithShape="0">
+              <a:srgbClr val="000000">
+                <a:alpha val="63000"/>
+              </a:srgbClr>
+            </a:outerShdw>
+          </a:effectLst>
+        </a:effectStyle>
+      </a:effectStyleLst>
+      <a:bgFillStyleLst>
+        <a:solidFill>
+          <a:schemeClr val="phClr"/>
+        </a:solidFill>
+        <a:solidFill>
+          <a:schemeClr val="phClr">
+            <a:tint val="95000"/>
+            <a:satMod val="170000"/>
+          </a:schemeClr>
+        </a:solidFill>
+        <a:gradFill rotWithShape="1">
+          <a:gsLst>
+            <a:gs pos="0">
+              <a:schemeClr val="phClr">
+                <a:tint val="93000"/>
+                <a:satMod val="150000"/>
+                <a:shade val="98000"/>
+                <a:lumMod val="102000"/>
+              </a:schemeClr>
+            </a:gs>
+            <a:gs pos="50000">
+              <a:schemeClr val="phClr">
+                <a:tint val="98000"/>
+                <a:satMod val="130000"/>
+                <a:shade val="90000"/>
+                <a:lumMod val="103000"/>
+              </a:schemeClr>
+            </a:gs>
+            <a:gs pos="100000">
+              <a:schemeClr val="phClr">
+                <a:shade val="63000"/>
+                <a:satMod val="120000"/>
+              </a:schemeClr>
+            </a:gs>
+          </a:gsLst>
+          <a:lin ang="5400000" scaled="0"/>
+        </a:gradFill>
+      </a:bgFillStyleLst>
+    </a:fmtScheme>
+  </a:themeElements>
+  <a:objectDefaults/>
+  <a:extraClrSchemeLst/>
+  <a:extLst>
+    <a:ext uri="{05A4C25C-085E-4340-85A3-A5531E510DB2}">
+      <thm15:themeFamily xmlns:thm15="http://schemas.microsoft.com/office/thememl/2012/main" name="Office Theme" id="{62F939B6-93AF-4DB8-9C6B-D6C7DFDC589F}" vid="{4A3C46E8-61CC-4603-A589-7422A47A8E4A}"/>
+    </a:ext>
+  </a:extLst>
+</a:theme>
 </file>
--- a/Tetris.pptx
+++ b/Tetris.pptx
@@ -207,7 +207,7 @@
           <a:p>
             <a:fld id="{12568A31-2FC8-4123-A309-04949FA8A0AA}" type="datetimeFigureOut">
               <a:rPr lang="en-US" smtClean="0"/>
-              <a:t>2/3/2025</a:t>
+              <a:t>2/4/2025</a:t>
             </a:fld>
             <a:endParaRPr lang="en-US"/>
           </a:p>
@@ -518,7 +518,190 @@
           <a:bodyPr/>
           <a:lstStyle/>
           <a:p>
+            <a:r>
+              <a:rPr lang="ru-RU" dirty="0"/>
+              <a:t>Меня зовут Елисей. Сегодня я хочу рассказть об моём проекте – игре тетрис. -</a:t>
+            </a:r>
+            <a:r>
+              <a:rPr lang="en-US" dirty="0"/>
+              <a:t>&gt;</a:t>
+            </a:r>
+          </a:p>
+        </p:txBody>
+      </p:sp>
+      <p:sp>
+        <p:nvSpPr>
+          <p:cNvPr id="4" name="Slide Number Placeholder 3"/>
+          <p:cNvSpPr>
+            <a:spLocks noGrp="1"/>
+          </p:cNvSpPr>
+          <p:nvPr>
+            <p:ph type="sldNum" sz="quarter" idx="5"/>
+          </p:nvPr>
+        </p:nvSpPr>
+        <p:spPr/>
+        <p:txBody>
+          <a:bodyPr/>
+          <a:lstStyle/>
+          <a:p>
+            <a:fld id="{BAE479F0-153F-4C1E-A205-FF65334F4F7C}" type="slidenum">
+              <a:rPr lang="en-US" smtClean="0"/>
+              <a:t>1</a:t>
+            </a:fld>
             <a:endParaRPr lang="en-US"/>
+          </a:p>
+        </p:txBody>
+      </p:sp>
+    </p:spTree>
+    <p:extLst>
+      <p:ext uri="{BB962C8B-B14F-4D97-AF65-F5344CB8AC3E}">
+        <p14:creationId xmlns:p14="http://schemas.microsoft.com/office/powerpoint/2010/main" val="2265535214"/>
+      </p:ext>
+    </p:extLst>
+  </p:cSld>
+  <p:clrMapOvr>
+    <a:masterClrMapping/>
+  </p:clrMapOvr>
+</p:notes>
+</file>
+
+<file path=ppt/notesSlides/notesSlide10.xml><?xml version="1.0" encoding="utf-8"?>
+<p:notes xmlns:a="http://schemas.openxmlformats.org/drawingml/2006/main" xmlns:r="http://schemas.openxmlformats.org/officeDocument/2006/relationships" xmlns:p="http://schemas.openxmlformats.org/presentationml/2006/main">
+  <p:cSld>
+    <p:spTree>
+      <p:nvGrpSpPr>
+        <p:cNvPr id="1" name=""/>
+        <p:cNvGrpSpPr/>
+        <p:nvPr/>
+      </p:nvGrpSpPr>
+      <p:grpSpPr>
+        <a:xfrm>
+          <a:off x="0" y="0"/>
+          <a:ext cx="0" cy="0"/>
+          <a:chOff x="0" y="0"/>
+          <a:chExt cx="0" cy="0"/>
+        </a:xfrm>
+      </p:grpSpPr>
+      <p:sp>
+        <p:nvSpPr>
+          <p:cNvPr id="2" name="Slide Image Placeholder 1"/>
+          <p:cNvSpPr>
+            <a:spLocks noGrp="1" noRot="1" noChangeAspect="1"/>
+          </p:cNvSpPr>
+          <p:nvPr>
+            <p:ph type="sldImg"/>
+          </p:nvPr>
+        </p:nvSpPr>
+        <p:spPr/>
+      </p:sp>
+      <p:sp>
+        <p:nvSpPr>
+          <p:cNvPr id="3" name="Notes Placeholder 2"/>
+          <p:cNvSpPr>
+            <a:spLocks noGrp="1"/>
+          </p:cNvSpPr>
+          <p:nvPr>
+            <p:ph type="body" idx="1"/>
+          </p:nvPr>
+        </p:nvSpPr>
+        <p:spPr/>
+        <p:txBody>
+          <a:bodyPr/>
+          <a:lstStyle/>
+          <a:p>
+            <a:r>
+              <a:rPr lang="ru-RU" dirty="0"/>
+              <a:t>И вот подводя итоги, игра на мой взгляд реализована вполне качественно и имеет возможности для улучшения, расширения. Но, вот основными возможностями, как по мне – Это окраска отдельных фигур, перевод текста на разные языки, сделать например онлайн-таблицу результатов и добавить имена, а также сделать, чтобы размер окна был не фиксированным. </a:t>
+            </a:r>
+            <a:endParaRPr lang="en-US" dirty="0"/>
+          </a:p>
+        </p:txBody>
+      </p:sp>
+      <p:sp>
+        <p:nvSpPr>
+          <p:cNvPr id="4" name="Slide Number Placeholder 3"/>
+          <p:cNvSpPr>
+            <a:spLocks noGrp="1"/>
+          </p:cNvSpPr>
+          <p:nvPr>
+            <p:ph type="sldNum" sz="quarter" idx="5"/>
+          </p:nvPr>
+        </p:nvSpPr>
+        <p:spPr/>
+        <p:txBody>
+          <a:bodyPr/>
+          <a:lstStyle/>
+          <a:p>
+            <a:fld id="{BAE479F0-153F-4C1E-A205-FF65334F4F7C}" type="slidenum">
+              <a:rPr lang="en-US" smtClean="0"/>
+              <a:t>10</a:t>
+            </a:fld>
+            <a:endParaRPr lang="en-US"/>
+          </a:p>
+        </p:txBody>
+      </p:sp>
+    </p:spTree>
+    <p:extLst>
+      <p:ext uri="{BB962C8B-B14F-4D97-AF65-F5344CB8AC3E}">
+        <p14:creationId xmlns:p14="http://schemas.microsoft.com/office/powerpoint/2010/main" val="3795085398"/>
+      </p:ext>
+    </p:extLst>
+  </p:cSld>
+  <p:clrMapOvr>
+    <a:masterClrMapping/>
+  </p:clrMapOvr>
+</p:notes>
+</file>
+
+<file path=ppt/notesSlides/notesSlide11.xml><?xml version="1.0" encoding="utf-8"?>
+<p:notes xmlns:a="http://schemas.openxmlformats.org/drawingml/2006/main" xmlns:r="http://schemas.openxmlformats.org/officeDocument/2006/relationships" xmlns:p="http://schemas.openxmlformats.org/presentationml/2006/main">
+  <p:cSld>
+    <p:spTree>
+      <p:nvGrpSpPr>
+        <p:cNvPr id="1" name=""/>
+        <p:cNvGrpSpPr/>
+        <p:nvPr/>
+      </p:nvGrpSpPr>
+      <p:grpSpPr>
+        <a:xfrm>
+          <a:off x="0" y="0"/>
+          <a:ext cx="0" cy="0"/>
+          <a:chOff x="0" y="0"/>
+          <a:chExt cx="0" cy="0"/>
+        </a:xfrm>
+      </p:grpSpPr>
+      <p:sp>
+        <p:nvSpPr>
+          <p:cNvPr id="2" name="Slide Image Placeholder 1"/>
+          <p:cNvSpPr>
+            <a:spLocks noGrp="1" noRot="1" noChangeAspect="1"/>
+          </p:cNvSpPr>
+          <p:nvPr>
+            <p:ph type="sldImg"/>
+          </p:nvPr>
+        </p:nvSpPr>
+        <p:spPr/>
+      </p:sp>
+      <p:sp>
+        <p:nvSpPr>
+          <p:cNvPr id="3" name="Notes Placeholder 2"/>
+          <p:cNvSpPr>
+            <a:spLocks noGrp="1"/>
+          </p:cNvSpPr>
+          <p:nvPr>
+            <p:ph type="body" idx="1"/>
+          </p:nvPr>
+        </p:nvSpPr>
+        <p:spPr/>
+        <p:txBody>
+          <a:bodyPr/>
+          <a:lstStyle/>
+          <a:p>
+            <a:r>
+              <a:rPr lang="ru-RU" dirty="0"/>
+              <a:t>Теперь можете задавать вопросы.</a:t>
+            </a:r>
+            <a:endParaRPr lang="en-US" dirty="0"/>
           </a:p>
         </p:txBody>
       </p:sp>
@@ -549,6 +732,814 @@
     <p:extLst>
       <p:ext uri="{BB962C8B-B14F-4D97-AF65-F5344CB8AC3E}">
         <p14:creationId xmlns:p14="http://schemas.microsoft.com/office/powerpoint/2010/main" val="3418907004"/>
+      </p:ext>
+    </p:extLst>
+  </p:cSld>
+  <p:clrMapOvr>
+    <a:masterClrMapping/>
+  </p:clrMapOvr>
+</p:notes>
+</file>
+
+<file path=ppt/notesSlides/notesSlide2.xml><?xml version="1.0" encoding="utf-8"?>
+<p:notes xmlns:a="http://schemas.openxmlformats.org/drawingml/2006/main" xmlns:r="http://schemas.openxmlformats.org/officeDocument/2006/relationships" xmlns:p="http://schemas.openxmlformats.org/presentationml/2006/main">
+  <p:cSld>
+    <p:spTree>
+      <p:nvGrpSpPr>
+        <p:cNvPr id="1" name=""/>
+        <p:cNvGrpSpPr/>
+        <p:nvPr/>
+      </p:nvGrpSpPr>
+      <p:grpSpPr>
+        <a:xfrm>
+          <a:off x="0" y="0"/>
+          <a:ext cx="0" cy="0"/>
+          <a:chOff x="0" y="0"/>
+          <a:chExt cx="0" cy="0"/>
+        </a:xfrm>
+      </p:grpSpPr>
+      <p:sp>
+        <p:nvSpPr>
+          <p:cNvPr id="2" name="Slide Image Placeholder 1"/>
+          <p:cNvSpPr>
+            <a:spLocks noGrp="1" noRot="1" noChangeAspect="1"/>
+          </p:cNvSpPr>
+          <p:nvPr>
+            <p:ph type="sldImg"/>
+          </p:nvPr>
+        </p:nvSpPr>
+        <p:spPr/>
+      </p:sp>
+      <p:sp>
+        <p:nvSpPr>
+          <p:cNvPr id="3" name="Notes Placeholder 2"/>
+          <p:cNvSpPr>
+            <a:spLocks noGrp="1"/>
+          </p:cNvSpPr>
+          <p:nvPr>
+            <p:ph type="body" idx="1"/>
+          </p:nvPr>
+        </p:nvSpPr>
+        <p:spPr/>
+        <p:txBody>
+          <a:bodyPr/>
+          <a:lstStyle/>
+          <a:p>
+            <a:r>
+              <a:rPr lang="ru-RU" dirty="0"/>
+              <a:t>Этот проект я выбрал потому что для меня идея данного проекта показалась привлекательной и удобной для реализации. -</a:t>
+            </a:r>
+            <a:r>
+              <a:rPr lang="en-US" dirty="0"/>
+              <a:t>&gt;</a:t>
+            </a:r>
+          </a:p>
+        </p:txBody>
+      </p:sp>
+      <p:sp>
+        <p:nvSpPr>
+          <p:cNvPr id="4" name="Slide Number Placeholder 3"/>
+          <p:cNvSpPr>
+            <a:spLocks noGrp="1"/>
+          </p:cNvSpPr>
+          <p:nvPr>
+            <p:ph type="sldNum" sz="quarter" idx="5"/>
+          </p:nvPr>
+        </p:nvSpPr>
+        <p:spPr/>
+        <p:txBody>
+          <a:bodyPr/>
+          <a:lstStyle/>
+          <a:p>
+            <a:fld id="{BAE479F0-153F-4C1E-A205-FF65334F4F7C}" type="slidenum">
+              <a:rPr lang="en-US" smtClean="0"/>
+              <a:t>2</a:t>
+            </a:fld>
+            <a:endParaRPr lang="en-US"/>
+          </a:p>
+        </p:txBody>
+      </p:sp>
+    </p:spTree>
+    <p:extLst>
+      <p:ext uri="{BB962C8B-B14F-4D97-AF65-F5344CB8AC3E}">
+        <p14:creationId xmlns:p14="http://schemas.microsoft.com/office/powerpoint/2010/main" val="3399303178"/>
+      </p:ext>
+    </p:extLst>
+  </p:cSld>
+  <p:clrMapOvr>
+    <a:masterClrMapping/>
+  </p:clrMapOvr>
+</p:notes>
+</file>
+
+<file path=ppt/notesSlides/notesSlide3.xml><?xml version="1.0" encoding="utf-8"?>
+<p:notes xmlns:a="http://schemas.openxmlformats.org/drawingml/2006/main" xmlns:r="http://schemas.openxmlformats.org/officeDocument/2006/relationships" xmlns:p="http://schemas.openxmlformats.org/presentationml/2006/main">
+  <p:cSld>
+    <p:spTree>
+      <p:nvGrpSpPr>
+        <p:cNvPr id="1" name=""/>
+        <p:cNvGrpSpPr/>
+        <p:nvPr/>
+      </p:nvGrpSpPr>
+      <p:grpSpPr>
+        <a:xfrm>
+          <a:off x="0" y="0"/>
+          <a:ext cx="0" cy="0"/>
+          <a:chOff x="0" y="0"/>
+          <a:chExt cx="0" cy="0"/>
+        </a:xfrm>
+      </p:grpSpPr>
+      <p:sp>
+        <p:nvSpPr>
+          <p:cNvPr id="2" name="Slide Image Placeholder 1"/>
+          <p:cNvSpPr>
+            <a:spLocks noGrp="1" noRot="1" noChangeAspect="1"/>
+          </p:cNvSpPr>
+          <p:nvPr>
+            <p:ph type="sldImg"/>
+          </p:nvPr>
+        </p:nvSpPr>
+        <p:spPr/>
+      </p:sp>
+      <p:sp>
+        <p:nvSpPr>
+          <p:cNvPr id="3" name="Notes Placeholder 2"/>
+          <p:cNvSpPr>
+            <a:spLocks noGrp="1"/>
+          </p:cNvSpPr>
+          <p:nvPr>
+            <p:ph type="body" idx="1"/>
+          </p:nvPr>
+        </p:nvSpPr>
+        <p:spPr/>
+        <p:txBody>
+          <a:bodyPr/>
+          <a:lstStyle/>
+          <a:p>
+            <a:r>
+              <a:rPr lang="ru-RU" dirty="0"/>
+              <a:t>Этот проект написан на </a:t>
+            </a:r>
+            <a:r>
+              <a:rPr lang="en-US" dirty="0"/>
+              <a:t>Python 12 </a:t>
+            </a:r>
+            <a:r>
+              <a:rPr lang="ru-RU" dirty="0"/>
+              <a:t>и использует библиотеки </a:t>
+            </a:r>
+            <a:r>
+              <a:rPr lang="en-US" dirty="0" err="1"/>
+              <a:t>PyGame</a:t>
+            </a:r>
+            <a:r>
+              <a:rPr lang="ru-RU" dirty="0"/>
+              <a:t> и </a:t>
+            </a:r>
+            <a:r>
+              <a:rPr lang="en-US" dirty="0"/>
+              <a:t>csv</a:t>
+            </a:r>
+            <a:r>
+              <a:rPr lang="ru-RU" dirty="0"/>
+              <a:t> для статистики</a:t>
+            </a:r>
+            <a:r>
+              <a:rPr lang="en-US" dirty="0"/>
+              <a:t>. </a:t>
+            </a:r>
+            <a:r>
+              <a:rPr lang="ru-RU" dirty="0"/>
+              <a:t>Говоря о реализации – данный проект сделан из трёх главных частей</a:t>
+            </a:r>
+            <a:r>
+              <a:rPr lang="en-US" dirty="0"/>
+              <a:t>: </a:t>
+            </a:r>
+            <a:r>
+              <a:rPr lang="ru-RU" dirty="0"/>
+              <a:t>Главное меню, Процессор игры и Вспомогательный интерфейс. -</a:t>
+            </a:r>
+            <a:r>
+              <a:rPr lang="en-US" dirty="0"/>
+              <a:t>&gt;</a:t>
+            </a:r>
+          </a:p>
+        </p:txBody>
+      </p:sp>
+      <p:sp>
+        <p:nvSpPr>
+          <p:cNvPr id="4" name="Slide Number Placeholder 3"/>
+          <p:cNvSpPr>
+            <a:spLocks noGrp="1"/>
+          </p:cNvSpPr>
+          <p:nvPr>
+            <p:ph type="sldNum" sz="quarter" idx="5"/>
+          </p:nvPr>
+        </p:nvSpPr>
+        <p:spPr/>
+        <p:txBody>
+          <a:bodyPr/>
+          <a:lstStyle/>
+          <a:p>
+            <a:fld id="{BAE479F0-153F-4C1E-A205-FF65334F4F7C}" type="slidenum">
+              <a:rPr lang="en-US" smtClean="0"/>
+              <a:t>3</a:t>
+            </a:fld>
+            <a:endParaRPr lang="en-US"/>
+          </a:p>
+        </p:txBody>
+      </p:sp>
+    </p:spTree>
+    <p:extLst>
+      <p:ext uri="{BB962C8B-B14F-4D97-AF65-F5344CB8AC3E}">
+        <p14:creationId xmlns:p14="http://schemas.microsoft.com/office/powerpoint/2010/main" val="301351051"/>
+      </p:ext>
+    </p:extLst>
+  </p:cSld>
+  <p:clrMapOvr>
+    <a:masterClrMapping/>
+  </p:clrMapOvr>
+</p:notes>
+</file>
+
+<file path=ppt/notesSlides/notesSlide4.xml><?xml version="1.0" encoding="utf-8"?>
+<p:notes xmlns:a="http://schemas.openxmlformats.org/drawingml/2006/main" xmlns:r="http://schemas.openxmlformats.org/officeDocument/2006/relationships" xmlns:p="http://schemas.openxmlformats.org/presentationml/2006/main">
+  <p:cSld>
+    <p:spTree>
+      <p:nvGrpSpPr>
+        <p:cNvPr id="1" name=""/>
+        <p:cNvGrpSpPr/>
+        <p:nvPr/>
+      </p:nvGrpSpPr>
+      <p:grpSpPr>
+        <a:xfrm>
+          <a:off x="0" y="0"/>
+          <a:ext cx="0" cy="0"/>
+          <a:chOff x="0" y="0"/>
+          <a:chExt cx="0" cy="0"/>
+        </a:xfrm>
+      </p:grpSpPr>
+      <p:sp>
+        <p:nvSpPr>
+          <p:cNvPr id="2" name="Slide Image Placeholder 1"/>
+          <p:cNvSpPr>
+            <a:spLocks noGrp="1" noRot="1" noChangeAspect="1"/>
+          </p:cNvSpPr>
+          <p:nvPr>
+            <p:ph type="sldImg"/>
+          </p:nvPr>
+        </p:nvSpPr>
+        <p:spPr/>
+      </p:sp>
+      <p:sp>
+        <p:nvSpPr>
+          <p:cNvPr id="3" name="Notes Placeholder 2"/>
+          <p:cNvSpPr>
+            <a:spLocks noGrp="1"/>
+          </p:cNvSpPr>
+          <p:nvPr>
+            <p:ph type="body" idx="1"/>
+          </p:nvPr>
+        </p:nvSpPr>
+        <p:spPr/>
+        <p:txBody>
+          <a:bodyPr/>
+          <a:lstStyle/>
+          <a:p>
+            <a:r>
+              <a:rPr lang="ru-RU" dirty="0"/>
+              <a:t>Главное меню состоит из трёх действий</a:t>
+            </a:r>
+            <a:r>
+              <a:rPr lang="en-US" dirty="0"/>
+              <a:t>: </a:t>
+            </a:r>
+            <a:r>
+              <a:rPr lang="ru-RU" dirty="0"/>
+              <a:t>Запуск игры, таблица рекордов и выход. Все действия происходят с помощью клавиш.</a:t>
+            </a:r>
+            <a:r>
+              <a:rPr lang="en-US" dirty="0"/>
+              <a:t> -&gt;</a:t>
+            </a:r>
+          </a:p>
+        </p:txBody>
+      </p:sp>
+      <p:sp>
+        <p:nvSpPr>
+          <p:cNvPr id="4" name="Slide Number Placeholder 3"/>
+          <p:cNvSpPr>
+            <a:spLocks noGrp="1"/>
+          </p:cNvSpPr>
+          <p:nvPr>
+            <p:ph type="sldNum" sz="quarter" idx="5"/>
+          </p:nvPr>
+        </p:nvSpPr>
+        <p:spPr/>
+        <p:txBody>
+          <a:bodyPr/>
+          <a:lstStyle/>
+          <a:p>
+            <a:fld id="{BAE479F0-153F-4C1E-A205-FF65334F4F7C}" type="slidenum">
+              <a:rPr lang="en-US" smtClean="0"/>
+              <a:t>4</a:t>
+            </a:fld>
+            <a:endParaRPr lang="en-US"/>
+          </a:p>
+        </p:txBody>
+      </p:sp>
+    </p:spTree>
+    <p:extLst>
+      <p:ext uri="{BB962C8B-B14F-4D97-AF65-F5344CB8AC3E}">
+        <p14:creationId xmlns:p14="http://schemas.microsoft.com/office/powerpoint/2010/main" val="3261214832"/>
+      </p:ext>
+    </p:extLst>
+  </p:cSld>
+  <p:clrMapOvr>
+    <a:masterClrMapping/>
+  </p:clrMapOvr>
+</p:notes>
+</file>
+
+<file path=ppt/notesSlides/notesSlide5.xml><?xml version="1.0" encoding="utf-8"?>
+<p:notes xmlns:a="http://schemas.openxmlformats.org/drawingml/2006/main" xmlns:r="http://schemas.openxmlformats.org/officeDocument/2006/relationships" xmlns:p="http://schemas.openxmlformats.org/presentationml/2006/main">
+  <p:cSld>
+    <p:spTree>
+      <p:nvGrpSpPr>
+        <p:cNvPr id="1" name=""/>
+        <p:cNvGrpSpPr/>
+        <p:nvPr/>
+      </p:nvGrpSpPr>
+      <p:grpSpPr>
+        <a:xfrm>
+          <a:off x="0" y="0"/>
+          <a:ext cx="0" cy="0"/>
+          <a:chOff x="0" y="0"/>
+          <a:chExt cx="0" cy="0"/>
+        </a:xfrm>
+      </p:grpSpPr>
+      <p:sp>
+        <p:nvSpPr>
+          <p:cNvPr id="2" name="Slide Image Placeholder 1"/>
+          <p:cNvSpPr>
+            <a:spLocks noGrp="1" noRot="1" noChangeAspect="1"/>
+          </p:cNvSpPr>
+          <p:nvPr>
+            <p:ph type="sldImg"/>
+          </p:nvPr>
+        </p:nvSpPr>
+        <p:spPr/>
+      </p:sp>
+      <p:sp>
+        <p:nvSpPr>
+          <p:cNvPr id="3" name="Notes Placeholder 2"/>
+          <p:cNvSpPr>
+            <a:spLocks noGrp="1"/>
+          </p:cNvSpPr>
+          <p:nvPr>
+            <p:ph type="body" idx="1"/>
+          </p:nvPr>
+        </p:nvSpPr>
+        <p:spPr/>
+        <p:txBody>
+          <a:bodyPr/>
+          <a:lstStyle/>
+          <a:p>
+            <a:r>
+              <a:rPr lang="ru-RU" dirty="0"/>
+              <a:t>Главное меню я отделил от остальных меню, потому что из него можно непосредственно начать новую игру или выйти, из-за чего это меню можно считать важной частью. </a:t>
+            </a:r>
+            <a:r>
+              <a:rPr lang="en-US" dirty="0"/>
+              <a:t>-&gt;</a:t>
+            </a:r>
+          </a:p>
+        </p:txBody>
+      </p:sp>
+      <p:sp>
+        <p:nvSpPr>
+          <p:cNvPr id="4" name="Slide Number Placeholder 3"/>
+          <p:cNvSpPr>
+            <a:spLocks noGrp="1"/>
+          </p:cNvSpPr>
+          <p:nvPr>
+            <p:ph type="sldNum" sz="quarter" idx="5"/>
+          </p:nvPr>
+        </p:nvSpPr>
+        <p:spPr/>
+        <p:txBody>
+          <a:bodyPr/>
+          <a:lstStyle/>
+          <a:p>
+            <a:fld id="{BAE479F0-153F-4C1E-A205-FF65334F4F7C}" type="slidenum">
+              <a:rPr lang="en-US" smtClean="0"/>
+              <a:t>5</a:t>
+            </a:fld>
+            <a:endParaRPr lang="en-US"/>
+          </a:p>
+        </p:txBody>
+      </p:sp>
+    </p:spTree>
+    <p:extLst>
+      <p:ext uri="{BB962C8B-B14F-4D97-AF65-F5344CB8AC3E}">
+        <p14:creationId xmlns:p14="http://schemas.microsoft.com/office/powerpoint/2010/main" val="1779012749"/>
+      </p:ext>
+    </p:extLst>
+  </p:cSld>
+  <p:clrMapOvr>
+    <a:masterClrMapping/>
+  </p:clrMapOvr>
+</p:notes>
+</file>
+
+<file path=ppt/notesSlides/notesSlide6.xml><?xml version="1.0" encoding="utf-8"?>
+<p:notes xmlns:a="http://schemas.openxmlformats.org/drawingml/2006/main" xmlns:r="http://schemas.openxmlformats.org/officeDocument/2006/relationships" xmlns:p="http://schemas.openxmlformats.org/presentationml/2006/main">
+  <p:cSld>
+    <p:spTree>
+      <p:nvGrpSpPr>
+        <p:cNvPr id="1" name=""/>
+        <p:cNvGrpSpPr/>
+        <p:nvPr/>
+      </p:nvGrpSpPr>
+      <p:grpSpPr>
+        <a:xfrm>
+          <a:off x="0" y="0"/>
+          <a:ext cx="0" cy="0"/>
+          <a:chOff x="0" y="0"/>
+          <a:chExt cx="0" cy="0"/>
+        </a:xfrm>
+      </p:grpSpPr>
+      <p:sp>
+        <p:nvSpPr>
+          <p:cNvPr id="2" name="Slide Image Placeholder 1"/>
+          <p:cNvSpPr>
+            <a:spLocks noGrp="1" noRot="1" noChangeAspect="1"/>
+          </p:cNvSpPr>
+          <p:nvPr>
+            <p:ph type="sldImg"/>
+          </p:nvPr>
+        </p:nvSpPr>
+        <p:spPr/>
+      </p:sp>
+      <p:sp>
+        <p:nvSpPr>
+          <p:cNvPr id="3" name="Notes Placeholder 2"/>
+          <p:cNvSpPr>
+            <a:spLocks noGrp="1"/>
+          </p:cNvSpPr>
+          <p:nvPr>
+            <p:ph type="body" idx="1"/>
+          </p:nvPr>
+        </p:nvSpPr>
+        <p:spPr/>
+        <p:txBody>
+          <a:bodyPr/>
+          <a:lstStyle/>
+          <a:p>
+            <a:r>
+              <a:rPr lang="ru-RU" dirty="0"/>
+              <a:t>Что же такое процессор игры? Это та часть, которая вступает в действие тогда, когда уже начинается непосредственно игра. Она объединяет две основные части, а также ведёт статистику и отвечает за обработку нажатий. Первая из этих основных частей – это логика игры, то есть то, как ведёт себя поле и фигуры. Вторая – это отображение всех фигур, и интерфейса. Как же обрабатывает нажатия? Если нажатая клавиша например </a:t>
+            </a:r>
+            <a:r>
+              <a:rPr lang="en-US" dirty="0"/>
+              <a:t>P </a:t>
+            </a:r>
+            <a:r>
+              <a:rPr lang="ru-RU" dirty="0"/>
+              <a:t>или </a:t>
+            </a:r>
+            <a:r>
+              <a:rPr lang="en-US" dirty="0"/>
+              <a:t>ESC </a:t>
+            </a:r>
+            <a:r>
+              <a:rPr lang="ru-RU" dirty="0"/>
+              <a:t>– то процессор вызывает меню паузы и ставит музыку на паузу. Если нажата клавиша </a:t>
+            </a:r>
+            <a:r>
+              <a:rPr lang="en-US" dirty="0"/>
+              <a:t>S </a:t>
+            </a:r>
+            <a:r>
+              <a:rPr lang="ru-RU" dirty="0"/>
+              <a:t>то фигура на каждом тике игры вызывает действие движения фигуры вниз. Ну и по завершению игры обновляет статистику и записывает результаты в файл.</a:t>
+            </a:r>
+            <a:r>
+              <a:rPr lang="en-US" dirty="0"/>
+              <a:t> -&gt;</a:t>
+            </a:r>
+          </a:p>
+        </p:txBody>
+      </p:sp>
+      <p:sp>
+        <p:nvSpPr>
+          <p:cNvPr id="4" name="Slide Number Placeholder 3"/>
+          <p:cNvSpPr>
+            <a:spLocks noGrp="1"/>
+          </p:cNvSpPr>
+          <p:nvPr>
+            <p:ph type="sldNum" sz="quarter" idx="5"/>
+          </p:nvPr>
+        </p:nvSpPr>
+        <p:spPr/>
+        <p:txBody>
+          <a:bodyPr/>
+          <a:lstStyle/>
+          <a:p>
+            <a:fld id="{BAE479F0-153F-4C1E-A205-FF65334F4F7C}" type="slidenum">
+              <a:rPr lang="en-US" smtClean="0"/>
+              <a:t>6</a:t>
+            </a:fld>
+            <a:endParaRPr lang="en-US"/>
+          </a:p>
+        </p:txBody>
+      </p:sp>
+    </p:spTree>
+    <p:extLst>
+      <p:ext uri="{BB962C8B-B14F-4D97-AF65-F5344CB8AC3E}">
+        <p14:creationId xmlns:p14="http://schemas.microsoft.com/office/powerpoint/2010/main" val="1482636761"/>
+      </p:ext>
+    </p:extLst>
+  </p:cSld>
+  <p:clrMapOvr>
+    <a:masterClrMapping/>
+  </p:clrMapOvr>
+</p:notes>
+</file>
+
+<file path=ppt/notesSlides/notesSlide7.xml><?xml version="1.0" encoding="utf-8"?>
+<p:notes xmlns:a="http://schemas.openxmlformats.org/drawingml/2006/main" xmlns:r="http://schemas.openxmlformats.org/officeDocument/2006/relationships" xmlns:p="http://schemas.openxmlformats.org/presentationml/2006/main">
+  <p:cSld>
+    <p:spTree>
+      <p:nvGrpSpPr>
+        <p:cNvPr id="1" name=""/>
+        <p:cNvGrpSpPr/>
+        <p:nvPr/>
+      </p:nvGrpSpPr>
+      <p:grpSpPr>
+        <a:xfrm>
+          <a:off x="0" y="0"/>
+          <a:ext cx="0" cy="0"/>
+          <a:chOff x="0" y="0"/>
+          <a:chExt cx="0" cy="0"/>
+        </a:xfrm>
+      </p:grpSpPr>
+      <p:sp>
+        <p:nvSpPr>
+          <p:cNvPr id="2" name="Slide Image Placeholder 1"/>
+          <p:cNvSpPr>
+            <a:spLocks noGrp="1" noRot="1" noChangeAspect="1"/>
+          </p:cNvSpPr>
+          <p:nvPr>
+            <p:ph type="sldImg"/>
+          </p:nvPr>
+        </p:nvSpPr>
+        <p:spPr/>
+      </p:sp>
+      <p:sp>
+        <p:nvSpPr>
+          <p:cNvPr id="3" name="Notes Placeholder 2"/>
+          <p:cNvSpPr>
+            <a:spLocks noGrp="1"/>
+          </p:cNvSpPr>
+          <p:nvPr>
+            <p:ph type="body" idx="1"/>
+          </p:nvPr>
+        </p:nvSpPr>
+        <p:spPr/>
+        <p:txBody>
+          <a:bodyPr/>
+          <a:lstStyle/>
+          <a:p>
+            <a:r>
+              <a:rPr lang="ru-RU" dirty="0"/>
+              <a:t>Вот как это выглядит. Активная фигура, неактивные фигуры, следующая фигура и интерфейс.</a:t>
+            </a:r>
+            <a:r>
+              <a:rPr lang="en-US" dirty="0"/>
+              <a:t> -&gt;</a:t>
+            </a:r>
+          </a:p>
+        </p:txBody>
+      </p:sp>
+      <p:sp>
+        <p:nvSpPr>
+          <p:cNvPr id="4" name="Slide Number Placeholder 3"/>
+          <p:cNvSpPr>
+            <a:spLocks noGrp="1"/>
+          </p:cNvSpPr>
+          <p:nvPr>
+            <p:ph type="sldNum" sz="quarter" idx="5"/>
+          </p:nvPr>
+        </p:nvSpPr>
+        <p:spPr/>
+        <p:txBody>
+          <a:bodyPr/>
+          <a:lstStyle/>
+          <a:p>
+            <a:fld id="{BAE479F0-153F-4C1E-A205-FF65334F4F7C}" type="slidenum">
+              <a:rPr lang="en-US" smtClean="0"/>
+              <a:t>7</a:t>
+            </a:fld>
+            <a:endParaRPr lang="en-US"/>
+          </a:p>
+        </p:txBody>
+      </p:sp>
+    </p:spTree>
+    <p:extLst>
+      <p:ext uri="{BB962C8B-B14F-4D97-AF65-F5344CB8AC3E}">
+        <p14:creationId xmlns:p14="http://schemas.microsoft.com/office/powerpoint/2010/main" val="3236171687"/>
+      </p:ext>
+    </p:extLst>
+  </p:cSld>
+  <p:clrMapOvr>
+    <a:masterClrMapping/>
+  </p:clrMapOvr>
+</p:notes>
+</file>
+
+<file path=ppt/notesSlides/notesSlide8.xml><?xml version="1.0" encoding="utf-8"?>
+<p:notes xmlns:a="http://schemas.openxmlformats.org/drawingml/2006/main" xmlns:r="http://schemas.openxmlformats.org/officeDocument/2006/relationships" xmlns:p="http://schemas.openxmlformats.org/presentationml/2006/main">
+  <p:cSld>
+    <p:spTree>
+      <p:nvGrpSpPr>
+        <p:cNvPr id="1" name=""/>
+        <p:cNvGrpSpPr/>
+        <p:nvPr/>
+      </p:nvGrpSpPr>
+      <p:grpSpPr>
+        <a:xfrm>
+          <a:off x="0" y="0"/>
+          <a:ext cx="0" cy="0"/>
+          <a:chOff x="0" y="0"/>
+          <a:chExt cx="0" cy="0"/>
+        </a:xfrm>
+      </p:grpSpPr>
+      <p:sp>
+        <p:nvSpPr>
+          <p:cNvPr id="2" name="Slide Image Placeholder 1"/>
+          <p:cNvSpPr>
+            <a:spLocks noGrp="1" noRot="1" noChangeAspect="1"/>
+          </p:cNvSpPr>
+          <p:nvPr>
+            <p:ph type="sldImg"/>
+          </p:nvPr>
+        </p:nvSpPr>
+        <p:spPr/>
+      </p:sp>
+      <p:sp>
+        <p:nvSpPr>
+          <p:cNvPr id="3" name="Notes Placeholder 2"/>
+          <p:cNvSpPr>
+            <a:spLocks noGrp="1"/>
+          </p:cNvSpPr>
+          <p:nvPr>
+            <p:ph type="body" idx="1"/>
+          </p:nvPr>
+        </p:nvSpPr>
+        <p:spPr/>
+        <p:txBody>
+          <a:bodyPr/>
+          <a:lstStyle/>
+          <a:p>
+            <a:r>
+              <a:rPr lang="ru-RU" dirty="0"/>
+              <a:t>Вспомогательный интерфейс – это то, без чего глобально можно было бы обойтись, то есть меню паузы, проигрыша и лучшие результаты.</a:t>
+            </a:r>
+            <a:r>
+              <a:rPr lang="en-US" dirty="0"/>
+              <a:t> -&gt;</a:t>
+            </a:r>
+          </a:p>
+        </p:txBody>
+      </p:sp>
+      <p:sp>
+        <p:nvSpPr>
+          <p:cNvPr id="4" name="Slide Number Placeholder 3"/>
+          <p:cNvSpPr>
+            <a:spLocks noGrp="1"/>
+          </p:cNvSpPr>
+          <p:nvPr>
+            <p:ph type="sldNum" sz="quarter" idx="5"/>
+          </p:nvPr>
+        </p:nvSpPr>
+        <p:spPr/>
+        <p:txBody>
+          <a:bodyPr/>
+          <a:lstStyle/>
+          <a:p>
+            <a:fld id="{BAE479F0-153F-4C1E-A205-FF65334F4F7C}" type="slidenum">
+              <a:rPr lang="en-US" smtClean="0"/>
+              <a:t>8</a:t>
+            </a:fld>
+            <a:endParaRPr lang="en-US"/>
+          </a:p>
+        </p:txBody>
+      </p:sp>
+    </p:spTree>
+    <p:extLst>
+      <p:ext uri="{BB962C8B-B14F-4D97-AF65-F5344CB8AC3E}">
+        <p14:creationId xmlns:p14="http://schemas.microsoft.com/office/powerpoint/2010/main" val="188375606"/>
+      </p:ext>
+    </p:extLst>
+  </p:cSld>
+  <p:clrMapOvr>
+    <a:masterClrMapping/>
+  </p:clrMapOvr>
+</p:notes>
+</file>
+
+<file path=ppt/notesSlides/notesSlide9.xml><?xml version="1.0" encoding="utf-8"?>
+<p:notes xmlns:a="http://schemas.openxmlformats.org/drawingml/2006/main" xmlns:r="http://schemas.openxmlformats.org/officeDocument/2006/relationships" xmlns:p="http://schemas.openxmlformats.org/presentationml/2006/main">
+  <p:cSld>
+    <p:spTree>
+      <p:nvGrpSpPr>
+        <p:cNvPr id="1" name=""/>
+        <p:cNvGrpSpPr/>
+        <p:nvPr/>
+      </p:nvGrpSpPr>
+      <p:grpSpPr>
+        <a:xfrm>
+          <a:off x="0" y="0"/>
+          <a:ext cx="0" cy="0"/>
+          <a:chOff x="0" y="0"/>
+          <a:chExt cx="0" cy="0"/>
+        </a:xfrm>
+      </p:grpSpPr>
+      <p:sp>
+        <p:nvSpPr>
+          <p:cNvPr id="2" name="Slide Image Placeholder 1"/>
+          <p:cNvSpPr>
+            <a:spLocks noGrp="1" noRot="1" noChangeAspect="1"/>
+          </p:cNvSpPr>
+          <p:nvPr>
+            <p:ph type="sldImg"/>
+          </p:nvPr>
+        </p:nvSpPr>
+        <p:spPr/>
+      </p:sp>
+      <p:sp>
+        <p:nvSpPr>
+          <p:cNvPr id="3" name="Notes Placeholder 2"/>
+          <p:cNvSpPr>
+            <a:spLocks noGrp="1"/>
+          </p:cNvSpPr>
+          <p:nvPr>
+            <p:ph type="body" idx="1"/>
+          </p:nvPr>
+        </p:nvSpPr>
+        <p:spPr/>
+        <p:txBody>
+          <a:bodyPr/>
+          <a:lstStyle/>
+          <a:p>
+            <a:r>
+              <a:rPr lang="ru-RU" dirty="0"/>
+              <a:t>Вот тут можно посмотреть как выгляят эти меню. (А ну ручками показывай, где есть что, ага, да? </a:t>
+            </a:r>
+            <a:r>
+              <a:rPr lang="en-US" dirty="0"/>
+              <a:t>&gt;:0) </a:t>
+            </a:r>
+            <a:r>
+              <a:rPr lang="ru-RU" dirty="0"/>
+              <a:t>-</a:t>
+            </a:r>
+            <a:r>
+              <a:rPr lang="en-US" dirty="0"/>
+              <a:t>&gt;</a:t>
+            </a:r>
+          </a:p>
+        </p:txBody>
+      </p:sp>
+      <p:sp>
+        <p:nvSpPr>
+          <p:cNvPr id="4" name="Slide Number Placeholder 3"/>
+          <p:cNvSpPr>
+            <a:spLocks noGrp="1"/>
+          </p:cNvSpPr>
+          <p:nvPr>
+            <p:ph type="sldNum" sz="quarter" idx="5"/>
+          </p:nvPr>
+        </p:nvSpPr>
+        <p:spPr/>
+        <p:txBody>
+          <a:bodyPr/>
+          <a:lstStyle/>
+          <a:p>
+            <a:fld id="{BAE479F0-153F-4C1E-A205-FF65334F4F7C}" type="slidenum">
+              <a:rPr lang="en-US" smtClean="0"/>
+              <a:t>9</a:t>
+            </a:fld>
+            <a:endParaRPr lang="en-US"/>
+          </a:p>
+        </p:txBody>
+      </p:sp>
+    </p:spTree>
+    <p:extLst>
+      <p:ext uri="{BB962C8B-B14F-4D97-AF65-F5344CB8AC3E}">
+        <p14:creationId xmlns:p14="http://schemas.microsoft.com/office/powerpoint/2010/main" val="1850192221"/>
       </p:ext>
     </p:extLst>
   </p:cSld>
@@ -727,7 +1718,7 @@
           <a:p>
             <a:fld id="{8948DE68-E29D-4424-945B-2120297CE0D4}" type="datetimeFigureOut">
               <a:rPr lang="ru-RU" smtClean="0"/>
-              <a:t>03.02.2025</a:t>
+              <a:t>04.02.2025</a:t>
             </a:fld>
             <a:endParaRPr lang="ru-RU"/>
           </a:p>
@@ -1069,7 +2060,7 @@
           <a:p>
             <a:fld id="{8948DE68-E29D-4424-945B-2120297CE0D4}" type="datetimeFigureOut">
               <a:rPr lang="ru-RU" smtClean="0"/>
-              <a:t>03.02.2025</a:t>
+              <a:t>04.02.2025</a:t>
             </a:fld>
             <a:endParaRPr lang="ru-RU"/>
           </a:p>
@@ -1261,7 +2252,7 @@
           <a:p>
             <a:fld id="{8948DE68-E29D-4424-945B-2120297CE0D4}" type="datetimeFigureOut">
               <a:rPr lang="ru-RU" smtClean="0"/>
-              <a:t>03.02.2025</a:t>
+              <a:t>04.02.2025</a:t>
             </a:fld>
             <a:endParaRPr lang="ru-RU"/>
           </a:p>
@@ -1443,7 +2434,7 @@
           <a:p>
             <a:fld id="{8948DE68-E29D-4424-945B-2120297CE0D4}" type="datetimeFigureOut">
               <a:rPr lang="ru-RU" smtClean="0"/>
-              <a:t>03.02.2025</a:t>
+              <a:t>04.02.2025</a:t>
             </a:fld>
             <a:endParaRPr lang="ru-RU"/>
           </a:p>
@@ -1732,7 +2723,7 @@
           <a:p>
             <a:fld id="{8948DE68-E29D-4424-945B-2120297CE0D4}" type="datetimeFigureOut">
               <a:rPr lang="ru-RU" smtClean="0"/>
-              <a:t>03.02.2025</a:t>
+              <a:t>04.02.2025</a:t>
             </a:fld>
             <a:endParaRPr lang="ru-RU"/>
           </a:p>
@@ -2138,7 +3129,7 @@
           <a:p>
             <a:fld id="{8948DE68-E29D-4424-945B-2120297CE0D4}" type="datetimeFigureOut">
               <a:rPr lang="ru-RU" smtClean="0"/>
-              <a:t>03.02.2025</a:t>
+              <a:t>04.02.2025</a:t>
             </a:fld>
             <a:endParaRPr lang="ru-RU"/>
           </a:p>
@@ -2627,7 +3618,7 @@
           <a:p>
             <a:fld id="{8948DE68-E29D-4424-945B-2120297CE0D4}" type="datetimeFigureOut">
               <a:rPr lang="ru-RU" smtClean="0"/>
-              <a:t>03.02.2025</a:t>
+              <a:t>04.02.2025</a:t>
             </a:fld>
             <a:endParaRPr lang="ru-RU"/>
           </a:p>
@@ -2757,7 +3748,7 @@
           <a:p>
             <a:fld id="{8948DE68-E29D-4424-945B-2120297CE0D4}" type="datetimeFigureOut">
               <a:rPr lang="ru-RU" smtClean="0"/>
-              <a:t>03.02.2025</a:t>
+              <a:t>04.02.2025</a:t>
             </a:fld>
             <a:endParaRPr lang="ru-RU"/>
           </a:p>
@@ -2864,7 +3855,7 @@
           <a:p>
             <a:fld id="{8948DE68-E29D-4424-945B-2120297CE0D4}" type="datetimeFigureOut">
               <a:rPr lang="ru-RU" smtClean="0"/>
-              <a:t>03.02.2025</a:t>
+              <a:t>04.02.2025</a:t>
             </a:fld>
             <a:endParaRPr lang="ru-RU"/>
           </a:p>
@@ -3222,7 +4213,7 @@
           <a:p>
             <a:fld id="{8948DE68-E29D-4424-945B-2120297CE0D4}" type="datetimeFigureOut">
               <a:rPr lang="ru-RU" smtClean="0"/>
-              <a:t>03.02.2025</a:t>
+              <a:t>04.02.2025</a:t>
             </a:fld>
             <a:endParaRPr lang="ru-RU"/>
           </a:p>
@@ -3622,7 +4613,7 @@
           <a:p>
             <a:fld id="{8948DE68-E29D-4424-945B-2120297CE0D4}" type="datetimeFigureOut">
               <a:rPr lang="ru-RU" smtClean="0"/>
-              <a:t>03.02.2025</a:t>
+              <a:t>04.02.2025</a:t>
             </a:fld>
             <a:endParaRPr lang="ru-RU"/>
           </a:p>
@@ -3912,7 +4903,7 @@
           <a:p>
             <a:fld id="{8948DE68-E29D-4424-945B-2120297CE0D4}" type="datetimeFigureOut">
               <a:rPr lang="ru-RU" smtClean="0"/>
-              <a:t>03.02.2025</a:t>
+              <a:t>04.02.2025</a:t>
             </a:fld>
             <a:endParaRPr lang="ru-RU"/>
           </a:p>
@@ -5253,7 +6244,7 @@
           </p:nvPr>
         </p:nvPicPr>
         <p:blipFill>
-          <a:blip r:embed="rId2"/>
+          <a:blip r:embed="rId3"/>
           <a:stretch>
             <a:fillRect/>
           </a:stretch>
@@ -5483,7 +6474,7 @@
           </p:nvPr>
         </p:nvPicPr>
         <p:blipFill>
-          <a:blip r:embed="rId2"/>
+          <a:blip r:embed="rId3"/>
           <a:stretch>
             <a:fillRect/>
           </a:stretch>
@@ -5751,7 +6742,7 @@
           </p:nvPr>
         </p:nvPicPr>
         <p:blipFill>
-          <a:blip r:embed="rId2">
+          <a:blip r:embed="rId3">
             <a:extLst>
               <a:ext uri="{28A0092B-C50C-407E-A947-70E740481C1C}">
                 <a14:useLocalDpi xmlns:a14="http://schemas.microsoft.com/office/drawing/2010/main" val="0"/>
@@ -5784,7 +6775,7 @@
           <p:nvPr/>
         </p:nvPicPr>
         <p:blipFill>
-          <a:blip r:embed="rId3">
+          <a:blip r:embed="rId4">
             <a:extLst>
               <a:ext uri="{28A0092B-C50C-407E-A947-70E740481C1C}">
                 <a14:useLocalDpi xmlns:a14="http://schemas.microsoft.com/office/drawing/2010/main" val="0"/>
@@ -5820,7 +6811,7 @@
           <p:nvPr/>
         </p:nvPicPr>
         <p:blipFill>
-          <a:blip r:embed="rId4">
+          <a:blip r:embed="rId5">
             <a:extLst>
               <a:ext uri="{28A0092B-C50C-407E-A947-70E740481C1C}">
                 <a14:useLocalDpi xmlns:a14="http://schemas.microsoft.com/office/drawing/2010/main" val="0"/>
